--- a/Presentation/Parkinson’s Disease Detection.pptx
+++ b/Presentation/Parkinson’s Disease Detection.pptx
@@ -10,14 +10,17 @@
     <p:sldId id="258" r:id="rId4"/>
     <p:sldId id="259" r:id="rId5"/>
     <p:sldId id="260" r:id="rId6"/>
-    <p:sldId id="264" r:id="rId7"/>
-    <p:sldId id="261" r:id="rId8"/>
-    <p:sldId id="265" r:id="rId9"/>
-    <p:sldId id="267" r:id="rId10"/>
-    <p:sldId id="266" r:id="rId11"/>
-    <p:sldId id="262" r:id="rId12"/>
-    <p:sldId id="263" r:id="rId13"/>
-    <p:sldId id="268" r:id="rId14"/>
+    <p:sldId id="270" r:id="rId7"/>
+    <p:sldId id="271" r:id="rId8"/>
+    <p:sldId id="264" r:id="rId9"/>
+    <p:sldId id="261" r:id="rId10"/>
+    <p:sldId id="265" r:id="rId11"/>
+    <p:sldId id="267" r:id="rId12"/>
+    <p:sldId id="269" r:id="rId13"/>
+    <p:sldId id="266" r:id="rId14"/>
+    <p:sldId id="262" r:id="rId15"/>
+    <p:sldId id="263" r:id="rId16"/>
+    <p:sldId id="268" r:id="rId17"/>
   </p:sldIdLst>
   <p:sldSz cx="12192000" cy="6858000"/>
   <p:notesSz cx="6858000" cy="9144000"/>
@@ -255,7 +258,7 @@
           <a:p>
             <a:fld id="{D8064675-62E9-4B41-8A34-3F2F100D797B}" type="datetimeFigureOut">
               <a:rPr lang="en-GB" smtClean="0"/>
-              <a:t>01/05/2020</a:t>
+              <a:t>05/05/2020</a:t>
             </a:fld>
             <a:endParaRPr lang="en-GB"/>
           </a:p>
@@ -425,7 +428,7 @@
           <a:p>
             <a:fld id="{D8064675-62E9-4B41-8A34-3F2F100D797B}" type="datetimeFigureOut">
               <a:rPr lang="en-GB" smtClean="0"/>
-              <a:t>01/05/2020</a:t>
+              <a:t>05/05/2020</a:t>
             </a:fld>
             <a:endParaRPr lang="en-GB"/>
           </a:p>
@@ -605,7 +608,7 @@
           <a:p>
             <a:fld id="{D8064675-62E9-4B41-8A34-3F2F100D797B}" type="datetimeFigureOut">
               <a:rPr lang="en-GB" smtClean="0"/>
-              <a:t>01/05/2020</a:t>
+              <a:t>05/05/2020</a:t>
             </a:fld>
             <a:endParaRPr lang="en-GB"/>
           </a:p>
@@ -775,7 +778,7 @@
           <a:p>
             <a:fld id="{D8064675-62E9-4B41-8A34-3F2F100D797B}" type="datetimeFigureOut">
               <a:rPr lang="en-GB" smtClean="0"/>
-              <a:t>01/05/2020</a:t>
+              <a:t>05/05/2020</a:t>
             </a:fld>
             <a:endParaRPr lang="en-GB"/>
           </a:p>
@@ -1021,7 +1024,7 @@
           <a:p>
             <a:fld id="{D8064675-62E9-4B41-8A34-3F2F100D797B}" type="datetimeFigureOut">
               <a:rPr lang="en-GB" smtClean="0"/>
-              <a:t>01/05/2020</a:t>
+              <a:t>05/05/2020</a:t>
             </a:fld>
             <a:endParaRPr lang="en-GB"/>
           </a:p>
@@ -1253,7 +1256,7 @@
           <a:p>
             <a:fld id="{D8064675-62E9-4B41-8A34-3F2F100D797B}" type="datetimeFigureOut">
               <a:rPr lang="en-GB" smtClean="0"/>
-              <a:t>01/05/2020</a:t>
+              <a:t>05/05/2020</a:t>
             </a:fld>
             <a:endParaRPr lang="en-GB"/>
           </a:p>
@@ -1620,7 +1623,7 @@
           <a:p>
             <a:fld id="{D8064675-62E9-4B41-8A34-3F2F100D797B}" type="datetimeFigureOut">
               <a:rPr lang="en-GB" smtClean="0"/>
-              <a:t>01/05/2020</a:t>
+              <a:t>05/05/2020</a:t>
             </a:fld>
             <a:endParaRPr lang="en-GB"/>
           </a:p>
@@ -1738,7 +1741,7 @@
           <a:p>
             <a:fld id="{D8064675-62E9-4B41-8A34-3F2F100D797B}" type="datetimeFigureOut">
               <a:rPr lang="en-GB" smtClean="0"/>
-              <a:t>01/05/2020</a:t>
+              <a:t>05/05/2020</a:t>
             </a:fld>
             <a:endParaRPr lang="en-GB"/>
           </a:p>
@@ -1833,7 +1836,7 @@
           <a:p>
             <a:fld id="{D8064675-62E9-4B41-8A34-3F2F100D797B}" type="datetimeFigureOut">
               <a:rPr lang="en-GB" smtClean="0"/>
-              <a:t>01/05/2020</a:t>
+              <a:t>05/05/2020</a:t>
             </a:fld>
             <a:endParaRPr lang="en-GB"/>
           </a:p>
@@ -2110,7 +2113,7 @@
           <a:p>
             <a:fld id="{D8064675-62E9-4B41-8A34-3F2F100D797B}" type="datetimeFigureOut">
               <a:rPr lang="en-GB" smtClean="0"/>
-              <a:t>01/05/2020</a:t>
+              <a:t>05/05/2020</a:t>
             </a:fld>
             <a:endParaRPr lang="en-GB"/>
           </a:p>
@@ -2363,7 +2366,7 @@
           <a:p>
             <a:fld id="{D8064675-62E9-4B41-8A34-3F2F100D797B}" type="datetimeFigureOut">
               <a:rPr lang="en-GB" smtClean="0"/>
-              <a:t>01/05/2020</a:t>
+              <a:t>05/05/2020</a:t>
             </a:fld>
             <a:endParaRPr lang="en-GB"/>
           </a:p>
@@ -2576,7 +2579,7 @@
           <a:p>
             <a:fld id="{D8064675-62E9-4B41-8A34-3F2F100D797B}" type="datetimeFigureOut">
               <a:rPr lang="en-GB" smtClean="0"/>
-              <a:t>01/05/2020</a:t>
+              <a:t>05/05/2020</a:t>
             </a:fld>
             <a:endParaRPr lang="en-GB"/>
           </a:p>
@@ -3009,15 +3012,7 @@
                   <a:srgbClr val="FF0000"/>
                 </a:solidFill>
               </a:rPr>
-              <a:t>Parkinson’s Disease </a:t>
-            </a:r>
-            <a:r>
-              <a:rPr lang="en-US" b="1" dirty="0" smtClean="0">
-                <a:solidFill>
-                  <a:srgbClr val="FF0000"/>
-                </a:solidFill>
-              </a:rPr>
-              <a:t>Detection</a:t>
+              <a:t>Parkinson’s Disease Detection</a:t>
             </a:r>
             <a:br>
               <a:rPr lang="en-US" b="1" dirty="0" smtClean="0">
@@ -3242,7 +3237,7 @@
                   <a:srgbClr val="FF0000"/>
                 </a:solidFill>
               </a:rPr>
-              <a:t>Research Work Status:</a:t>
+              <a:t>Libraries and Algorithm Used:</a:t>
             </a:r>
             <a:endParaRPr lang="en-GB" dirty="0">
               <a:solidFill>
@@ -3252,96 +3247,152 @@
           </a:p>
         </p:txBody>
       </p:sp>
-      <p:sp>
-        <p:nvSpPr>
-          <p:cNvPr id="3" name="Content Placeholder 2"/>
-          <p:cNvSpPr>
-            <a:spLocks noGrp="1"/>
-          </p:cNvSpPr>
+      <p:pic>
+        <p:nvPicPr>
+          <p:cNvPr id="4" name="Content Placeholder 3"/>
+          <p:cNvPicPr>
+            <a:picLocks noGrp="1" noChangeAspect="1"/>
+          </p:cNvPicPr>
           <p:nvPr>
             <p:ph idx="1"/>
           </p:nvPr>
-        </p:nvSpPr>
-        <p:spPr/>
-        <p:txBody>
-          <a:bodyPr>
-            <a:normAutofit fontScale="85000" lnSpcReduction="10000"/>
+        </p:nvPicPr>
+        <p:blipFill>
+          <a:blip r:embed="rId2">
+            <a:extLst>
+              <a:ext uri="{28A0092B-C50C-407E-A947-70E740481C1C}">
+                <a14:useLocalDpi xmlns:a14="http://schemas.microsoft.com/office/drawing/2010/main" val="0"/>
+              </a:ext>
+            </a:extLst>
+          </a:blip>
+          <a:stretch>
+            <a:fillRect/>
+          </a:stretch>
+        </p:blipFill>
+        <p:spPr>
+          <a:xfrm>
+            <a:off x="838200" y="1690688"/>
+            <a:ext cx="7213512" cy="1932190"/>
+          </a:xfrm>
+        </p:spPr>
+      </p:pic>
+      <p:pic>
+        <p:nvPicPr>
+          <p:cNvPr id="5" name="Picture 4"/>
+          <p:cNvPicPr>
+            <a:picLocks noChangeAspect="1"/>
+          </p:cNvPicPr>
+          <p:nvPr/>
+        </p:nvPicPr>
+        <p:blipFill>
+          <a:blip r:embed="rId3">
+            <a:extLst>
+              <a:ext uri="{28A0092B-C50C-407E-A947-70E740481C1C}">
+                <a14:useLocalDpi xmlns:a14="http://schemas.microsoft.com/office/drawing/2010/main" val="0"/>
+              </a:ext>
+            </a:extLst>
+          </a:blip>
+          <a:stretch>
+            <a:fillRect/>
+          </a:stretch>
+        </p:blipFill>
+        <p:spPr>
+          <a:xfrm>
+            <a:off x="838200" y="4114886"/>
+            <a:ext cx="7117080" cy="2118179"/>
+          </a:xfrm>
+          <a:prstGeom prst="rect">
+            <a:avLst/>
+          </a:prstGeom>
+        </p:spPr>
+      </p:pic>
+      <p:sp>
+        <p:nvSpPr>
+          <p:cNvPr id="6" name="TextBox 5"/>
+          <p:cNvSpPr txBox="1"/>
+          <p:nvPr/>
+        </p:nvSpPr>
+        <p:spPr>
+          <a:xfrm>
+            <a:off x="8569234" y="1690688"/>
+            <a:ext cx="2338252" cy="2031325"/>
+          </a:xfrm>
+          <a:prstGeom prst="rect">
+            <a:avLst/>
+          </a:prstGeom>
+          <a:noFill/>
+        </p:spPr>
+        <p:txBody>
+          <a:bodyPr wrap="square" rtlCol="0">
+            <a:spAutoFit/>
           </a:bodyPr>
           <a:lstStyle/>
           <a:p>
-            <a:pPr marL="0" indent="0">
-              <a:buNone/>
-            </a:pPr>
-            <a:r>
-              <a:rPr lang="en-GB" dirty="0"/>
-              <a:t>Research in Parkinson's disease has made remarkable progress. There is very real hope that the causes, whether genetic or environmental, will be identified and the precise effects of these causes on brain function will be understood</a:t>
-            </a:r>
-            <a:r>
-              <a:rPr lang="en-GB" dirty="0" smtClean="0"/>
-              <a:t>.</a:t>
-            </a:r>
-          </a:p>
-          <a:p>
-            <a:pPr marL="0" indent="0">
-              <a:buNone/>
-            </a:pPr>
+            <a:endParaRPr lang="en-US" dirty="0" smtClean="0"/>
+          </a:p>
+          <a:p>
             <a:endParaRPr lang="en-US" dirty="0"/>
           </a:p>
           <a:p>
-            <a:pPr marL="0" indent="0">
-              <a:buNone/>
-            </a:pPr>
-            <a:r>
-              <a:rPr lang="en-GB" b="1" dirty="0">
-                <a:solidFill>
-                  <a:srgbClr val="FF0000"/>
-                </a:solidFill>
-              </a:rPr>
-              <a:t>How Could Stem Cells Help People With </a:t>
-            </a:r>
-            <a:r>
-              <a:rPr lang="en-GB" b="1" dirty="0" smtClean="0">
-                <a:solidFill>
-                  <a:srgbClr val="FF0000"/>
-                </a:solidFill>
-              </a:rPr>
-              <a:t>Parkinson's ?</a:t>
-            </a:r>
-            <a:endParaRPr lang="en-GB" b="1" dirty="0">
-              <a:solidFill>
-                <a:srgbClr val="FF0000"/>
-              </a:solidFill>
-            </a:endParaRPr>
-          </a:p>
-          <a:p>
-            <a:pPr marL="0" indent="0">
-              <a:buNone/>
-            </a:pPr>
-            <a:r>
-              <a:rPr lang="en-GB" dirty="0"/>
-              <a:t>Stem cells are the parent cells of all tissues in the body. This means they can turn in to any type of cell. The hope is that they will eventually be able to make these cells into specific types of cells, like dopamine-producing neurons, that can be used to treat Parkinson's disease. However, there are concerns that patients may have the same risk of increased involuntary movements as those who undergo </a:t>
-            </a:r>
-            <a:r>
-              <a:rPr lang="en-GB" dirty="0" err="1"/>
-              <a:t>fetal</a:t>
-            </a:r>
-            <a:r>
-              <a:rPr lang="en-GB" dirty="0"/>
-              <a:t> cell transplantation. And, like </a:t>
-            </a:r>
-            <a:r>
-              <a:rPr lang="en-GB" dirty="0" err="1"/>
-              <a:t>fetal</a:t>
-            </a:r>
-            <a:r>
-              <a:rPr lang="en-GB" dirty="0"/>
-              <a:t> cell transplantation, stem cell therapy is surrounded by moral and ethical controversy.</a:t>
-            </a:r>
-          </a:p>
-          <a:p>
-            <a:pPr marL="0" indent="0">
-              <a:buNone/>
-            </a:pPr>
+            <a:endParaRPr lang="en-US" dirty="0" smtClean="0"/>
+          </a:p>
+          <a:p>
+            <a:r>
+              <a:rPr lang="en-US" dirty="0" smtClean="0"/>
+              <a:t>Libraries</a:t>
+            </a:r>
+          </a:p>
+          <a:p>
+            <a:endParaRPr lang="en-US" dirty="0"/>
+          </a:p>
+          <a:p>
+            <a:endParaRPr lang="en-US" dirty="0" smtClean="0"/>
+          </a:p>
+          <a:p>
+            <a:endParaRPr lang="en-GB" dirty="0"/>
+          </a:p>
+        </p:txBody>
+      </p:sp>
+      <p:sp>
+        <p:nvSpPr>
+          <p:cNvPr id="7" name="TextBox 6"/>
+          <p:cNvSpPr txBox="1"/>
+          <p:nvPr/>
+        </p:nvSpPr>
+        <p:spPr>
+          <a:xfrm>
+            <a:off x="8533630" y="4219303"/>
+            <a:ext cx="2452233" cy="1754326"/>
+          </a:xfrm>
+          <a:prstGeom prst="rect">
+            <a:avLst/>
+          </a:prstGeom>
+          <a:noFill/>
+        </p:spPr>
+        <p:txBody>
+          <a:bodyPr wrap="square" rtlCol="0">
+            <a:spAutoFit/>
+          </a:bodyPr>
+          <a:lstStyle/>
+          <a:p>
+            <a:endParaRPr lang="en-US" dirty="0" smtClean="0"/>
+          </a:p>
+          <a:p>
+            <a:endParaRPr lang="en-US" dirty="0"/>
+          </a:p>
+          <a:p>
+            <a:r>
+              <a:rPr lang="en-US" dirty="0" smtClean="0"/>
+              <a:t>Model Building.</a:t>
+            </a:r>
+          </a:p>
+          <a:p>
+            <a:endParaRPr lang="en-US" dirty="0"/>
+          </a:p>
+          <a:p>
+            <a:endParaRPr lang="en-US" dirty="0" smtClean="0"/>
+          </a:p>
+          <a:p>
             <a:endParaRPr lang="en-GB" dirty="0"/>
           </a:p>
         </p:txBody>
@@ -3349,7 +3400,7 @@
     </p:spTree>
     <p:extLst>
       <p:ext uri="{BB962C8B-B14F-4D97-AF65-F5344CB8AC3E}">
-        <p14:creationId xmlns:p14="http://schemas.microsoft.com/office/powerpoint/2010/main" val="3077224506"/>
+        <p14:creationId xmlns:p14="http://schemas.microsoft.com/office/powerpoint/2010/main" val="4257308988"/>
       </p:ext>
     </p:extLst>
   </p:cSld>
@@ -3399,14 +3450,14 @@
           <a:lstStyle/>
           <a:p>
             <a:r>
-              <a:rPr lang="en-US" b="1" dirty="0" smtClean="0">
+              <a:rPr lang="en-US" dirty="0" smtClean="0">
                 <a:solidFill>
                   <a:srgbClr val="FF0000"/>
                 </a:solidFill>
               </a:rPr>
-              <a:t>Software Requirements:</a:t>
-            </a:r>
-            <a:endParaRPr lang="en-GB" b="1" dirty="0">
+              <a:t>Output of the project:</a:t>
+            </a:r>
+            <a:endParaRPr lang="en-GB" dirty="0">
               <a:solidFill>
                 <a:srgbClr val="FF0000"/>
               </a:solidFill>
@@ -3414,50 +3465,60 @@
           </a:p>
         </p:txBody>
       </p:sp>
-      <p:sp>
-        <p:nvSpPr>
-          <p:cNvPr id="3" name="Content Placeholder 2"/>
-          <p:cNvSpPr>
-            <a:spLocks noGrp="1"/>
-          </p:cNvSpPr>
+      <p:pic>
+        <p:nvPicPr>
+          <p:cNvPr id="4" name="Content Placeholder 3"/>
+          <p:cNvPicPr>
+            <a:picLocks noGrp="1" noChangeAspect="1"/>
+          </p:cNvPicPr>
           <p:nvPr>
             <p:ph idx="1"/>
           </p:nvPr>
-        </p:nvSpPr>
+        </p:nvPicPr>
+        <p:blipFill>
+          <a:blip r:embed="rId2">
+            <a:extLst>
+              <a:ext uri="{28A0092B-C50C-407E-A947-70E740481C1C}">
+                <a14:useLocalDpi xmlns:a14="http://schemas.microsoft.com/office/drawing/2010/main" val="0"/>
+              </a:ext>
+            </a:extLst>
+          </a:blip>
+          <a:stretch>
+            <a:fillRect/>
+          </a:stretch>
+        </p:blipFill>
         <p:spPr>
           <a:xfrm>
-            <a:off x="929640" y="2870653"/>
-            <a:ext cx="10515600" cy="1988729"/>
+            <a:off x="2844437" y="2730741"/>
+            <a:ext cx="6503125" cy="1380458"/>
           </a:xfrm>
         </p:spPr>
-        <p:txBody>
-          <a:bodyPr/>
-          <a:lstStyle/>
-          <a:p>
-            <a:pPr marL="0" indent="0">
-              <a:buNone/>
-            </a:pPr>
+      </p:pic>
+      <p:sp>
+        <p:nvSpPr>
+          <p:cNvPr id="5" name="TextBox 4"/>
+          <p:cNvSpPr txBox="1"/>
+          <p:nvPr/>
+        </p:nvSpPr>
+        <p:spPr>
+          <a:xfrm>
+            <a:off x="3282042" y="5503949"/>
+            <a:ext cx="5627914" cy="369332"/>
+          </a:xfrm>
+          <a:prstGeom prst="rect">
+            <a:avLst/>
+          </a:prstGeom>
+          <a:noFill/>
+        </p:spPr>
+        <p:txBody>
+          <a:bodyPr wrap="square" rtlCol="0">
+            <a:spAutoFit/>
+          </a:bodyPr>
+          <a:lstStyle/>
+          <a:p>
             <a:r>
               <a:rPr lang="en-US" dirty="0" smtClean="0"/>
-              <a:t>Operating System			:	Windows / Linux</a:t>
-            </a:r>
-          </a:p>
-          <a:p>
-            <a:pPr marL="0" indent="0">
-              <a:buNone/>
-            </a:pPr>
-            <a:r>
-              <a:rPr lang="en-US" dirty="0" smtClean="0"/>
-              <a:t>Programming Language		:	Python 3</a:t>
-            </a:r>
-          </a:p>
-          <a:p>
-            <a:pPr marL="0" indent="0">
-              <a:buNone/>
-            </a:pPr>
-            <a:r>
-              <a:rPr lang="en-US" dirty="0" smtClean="0"/>
-              <a:t>Front-End				:	Python 3</a:t>
+              <a:t>The accuracy of the model we built is approximately 95%</a:t>
             </a:r>
             <a:endParaRPr lang="en-GB" dirty="0"/>
           </a:p>
@@ -3466,7 +3527,7 @@
     </p:spTree>
     <p:extLst>
       <p:ext uri="{BB962C8B-B14F-4D97-AF65-F5344CB8AC3E}">
-        <p14:creationId xmlns:p14="http://schemas.microsoft.com/office/powerpoint/2010/main" val="2534458280"/>
+        <p14:creationId xmlns:p14="http://schemas.microsoft.com/office/powerpoint/2010/main" val="3506636841"/>
       </p:ext>
     </p:extLst>
   </p:cSld>
@@ -3516,6 +3577,375 @@
           <a:lstStyle/>
           <a:p>
             <a:r>
+              <a:rPr lang="en-US" dirty="0" smtClean="0">
+                <a:solidFill>
+                  <a:srgbClr val="FF0000"/>
+                </a:solidFill>
+              </a:rPr>
+              <a:t>Architecture:</a:t>
+            </a:r>
+            <a:endParaRPr lang="en-GB" dirty="0">
+              <a:solidFill>
+                <a:srgbClr val="FF0000"/>
+              </a:solidFill>
+            </a:endParaRPr>
+          </a:p>
+        </p:txBody>
+      </p:sp>
+      <p:pic>
+        <p:nvPicPr>
+          <p:cNvPr id="4" name="Content Placeholder 3"/>
+          <p:cNvPicPr>
+            <a:picLocks noGrp="1" noChangeAspect="1"/>
+          </p:cNvPicPr>
+          <p:nvPr>
+            <p:ph idx="1"/>
+          </p:nvPr>
+        </p:nvPicPr>
+        <p:blipFill>
+          <a:blip r:embed="rId2" cstate="print">
+            <a:extLst>
+              <a:ext uri="{28A0092B-C50C-407E-A947-70E740481C1C}">
+                <a14:useLocalDpi xmlns:a14="http://schemas.microsoft.com/office/drawing/2010/main" val="0"/>
+              </a:ext>
+            </a:extLst>
+          </a:blip>
+          <a:stretch>
+            <a:fillRect/>
+          </a:stretch>
+        </p:blipFill>
+        <p:spPr>
+          <a:xfrm>
+            <a:off x="838200" y="1306327"/>
+            <a:ext cx="8334102" cy="5551673"/>
+          </a:xfrm>
+        </p:spPr>
+      </p:pic>
+    </p:spTree>
+    <p:extLst>
+      <p:ext uri="{BB962C8B-B14F-4D97-AF65-F5344CB8AC3E}">
+        <p14:creationId xmlns:p14="http://schemas.microsoft.com/office/powerpoint/2010/main" val="1752927477"/>
+      </p:ext>
+    </p:extLst>
+  </p:cSld>
+  <p:clrMapOvr>
+    <a:masterClrMapping/>
+  </p:clrMapOvr>
+</p:sld>
+</file>
+
+<file path=ppt/slides/slide13.xml><?xml version="1.0" encoding="utf-8"?>
+<p:sld xmlns:a="http://schemas.openxmlformats.org/drawingml/2006/main" xmlns:r="http://schemas.openxmlformats.org/officeDocument/2006/relationships" xmlns:p="http://schemas.openxmlformats.org/presentationml/2006/main">
+  <p:cSld>
+    <p:spTree>
+      <p:nvGrpSpPr>
+        <p:cNvPr id="1" name=""/>
+        <p:cNvGrpSpPr/>
+        <p:nvPr/>
+      </p:nvGrpSpPr>
+      <p:grpSpPr>
+        <a:xfrm>
+          <a:off x="0" y="0"/>
+          <a:ext cx="0" cy="0"/>
+          <a:chOff x="0" y="0"/>
+          <a:chExt cx="0" cy="0"/>
+        </a:xfrm>
+      </p:grpSpPr>
+      <p:sp>
+        <p:nvSpPr>
+          <p:cNvPr id="2" name="Title 1"/>
+          <p:cNvSpPr>
+            <a:spLocks noGrp="1"/>
+          </p:cNvSpPr>
+          <p:nvPr>
+            <p:ph type="title"/>
+          </p:nvPr>
+        </p:nvSpPr>
+        <p:spPr/>
+        <p:txBody>
+          <a:bodyPr/>
+          <a:lstStyle/>
+          <a:p>
+            <a:r>
+              <a:rPr lang="en-US" dirty="0" smtClean="0">
+                <a:solidFill>
+                  <a:srgbClr val="FF0000"/>
+                </a:solidFill>
+              </a:rPr>
+              <a:t>Research Work Status:</a:t>
+            </a:r>
+            <a:endParaRPr lang="en-GB" dirty="0">
+              <a:solidFill>
+                <a:srgbClr val="FF0000"/>
+              </a:solidFill>
+            </a:endParaRPr>
+          </a:p>
+        </p:txBody>
+      </p:sp>
+      <p:sp>
+        <p:nvSpPr>
+          <p:cNvPr id="3" name="Content Placeholder 2"/>
+          <p:cNvSpPr>
+            <a:spLocks noGrp="1"/>
+          </p:cNvSpPr>
+          <p:nvPr>
+            <p:ph idx="1"/>
+          </p:nvPr>
+        </p:nvSpPr>
+        <p:spPr/>
+        <p:txBody>
+          <a:bodyPr>
+            <a:normAutofit fontScale="85000" lnSpcReduction="10000"/>
+          </a:bodyPr>
+          <a:lstStyle/>
+          <a:p>
+            <a:pPr marL="0" indent="0">
+              <a:buNone/>
+            </a:pPr>
+            <a:r>
+              <a:rPr lang="en-GB" dirty="0"/>
+              <a:t>Research in Parkinson's disease has made remarkable progress. There is very real hope that the causes, whether genetic or environmental, will be identified and the precise effects of these causes on brain function will be understood</a:t>
+            </a:r>
+            <a:r>
+              <a:rPr lang="en-GB" dirty="0" smtClean="0"/>
+              <a:t>.</a:t>
+            </a:r>
+          </a:p>
+          <a:p>
+            <a:pPr marL="0" indent="0">
+              <a:buNone/>
+            </a:pPr>
+            <a:endParaRPr lang="en-US" dirty="0"/>
+          </a:p>
+          <a:p>
+            <a:pPr marL="0" indent="0">
+              <a:buNone/>
+            </a:pPr>
+            <a:r>
+              <a:rPr lang="en-GB" b="1" dirty="0">
+                <a:solidFill>
+                  <a:srgbClr val="FF0000"/>
+                </a:solidFill>
+              </a:rPr>
+              <a:t>How Could Stem Cells Help People With </a:t>
+            </a:r>
+            <a:r>
+              <a:rPr lang="en-GB" b="1" dirty="0" smtClean="0">
+                <a:solidFill>
+                  <a:srgbClr val="FF0000"/>
+                </a:solidFill>
+              </a:rPr>
+              <a:t>Parkinson's ?</a:t>
+            </a:r>
+            <a:endParaRPr lang="en-GB" b="1" dirty="0">
+              <a:solidFill>
+                <a:srgbClr val="FF0000"/>
+              </a:solidFill>
+            </a:endParaRPr>
+          </a:p>
+          <a:p>
+            <a:pPr marL="0" indent="0">
+              <a:buNone/>
+            </a:pPr>
+            <a:r>
+              <a:rPr lang="en-GB" dirty="0"/>
+              <a:t>Stem cells are the parent cells of all tissues in the body. This means they can turn in to any type of cell. The hope is that they will eventually be able to make these cells into specific types of cells, like dopamine-producing neurons, that can be used to treat Parkinson's disease. However, there are concerns that patients may have the same risk of increased involuntary movements as those who undergo </a:t>
+            </a:r>
+            <a:r>
+              <a:rPr lang="en-GB" dirty="0" err="1"/>
+              <a:t>fetal</a:t>
+            </a:r>
+            <a:r>
+              <a:rPr lang="en-GB" dirty="0"/>
+              <a:t> cell transplantation. And, like </a:t>
+            </a:r>
+            <a:r>
+              <a:rPr lang="en-GB" dirty="0" err="1"/>
+              <a:t>fetal</a:t>
+            </a:r>
+            <a:r>
+              <a:rPr lang="en-GB" dirty="0"/>
+              <a:t> cell transplantation, stem cell therapy is surrounded by moral and ethical controversy.</a:t>
+            </a:r>
+          </a:p>
+          <a:p>
+            <a:pPr marL="0" indent="0">
+              <a:buNone/>
+            </a:pPr>
+            <a:endParaRPr lang="en-GB" dirty="0"/>
+          </a:p>
+        </p:txBody>
+      </p:sp>
+    </p:spTree>
+    <p:extLst>
+      <p:ext uri="{BB962C8B-B14F-4D97-AF65-F5344CB8AC3E}">
+        <p14:creationId xmlns:p14="http://schemas.microsoft.com/office/powerpoint/2010/main" val="3077224506"/>
+      </p:ext>
+    </p:extLst>
+  </p:cSld>
+  <p:clrMapOvr>
+    <a:masterClrMapping/>
+  </p:clrMapOvr>
+  <p:timing>
+    <p:tnLst>
+      <p:par>
+        <p:cTn id="1" dur="indefinite" restart="never" nodeType="tmRoot"/>
+      </p:par>
+    </p:tnLst>
+  </p:timing>
+</p:sld>
+</file>
+
+<file path=ppt/slides/slide14.xml><?xml version="1.0" encoding="utf-8"?>
+<p:sld xmlns:a="http://schemas.openxmlformats.org/drawingml/2006/main" xmlns:r="http://schemas.openxmlformats.org/officeDocument/2006/relationships" xmlns:p="http://schemas.openxmlformats.org/presentationml/2006/main">
+  <p:cSld>
+    <p:spTree>
+      <p:nvGrpSpPr>
+        <p:cNvPr id="1" name=""/>
+        <p:cNvGrpSpPr/>
+        <p:nvPr/>
+      </p:nvGrpSpPr>
+      <p:grpSpPr>
+        <a:xfrm>
+          <a:off x="0" y="0"/>
+          <a:ext cx="0" cy="0"/>
+          <a:chOff x="0" y="0"/>
+          <a:chExt cx="0" cy="0"/>
+        </a:xfrm>
+      </p:grpSpPr>
+      <p:sp>
+        <p:nvSpPr>
+          <p:cNvPr id="2" name="Title 1"/>
+          <p:cNvSpPr>
+            <a:spLocks noGrp="1"/>
+          </p:cNvSpPr>
+          <p:nvPr>
+            <p:ph type="title"/>
+          </p:nvPr>
+        </p:nvSpPr>
+        <p:spPr/>
+        <p:txBody>
+          <a:bodyPr/>
+          <a:lstStyle/>
+          <a:p>
+            <a:r>
+              <a:rPr lang="en-US" b="1" dirty="0" smtClean="0">
+                <a:solidFill>
+                  <a:srgbClr val="FF0000"/>
+                </a:solidFill>
+              </a:rPr>
+              <a:t>Software Requirements:</a:t>
+            </a:r>
+            <a:endParaRPr lang="en-GB" b="1" dirty="0">
+              <a:solidFill>
+                <a:srgbClr val="FF0000"/>
+              </a:solidFill>
+            </a:endParaRPr>
+          </a:p>
+        </p:txBody>
+      </p:sp>
+      <p:sp>
+        <p:nvSpPr>
+          <p:cNvPr id="3" name="Content Placeholder 2"/>
+          <p:cNvSpPr>
+            <a:spLocks noGrp="1"/>
+          </p:cNvSpPr>
+          <p:nvPr>
+            <p:ph idx="1"/>
+          </p:nvPr>
+        </p:nvSpPr>
+        <p:spPr>
+          <a:xfrm>
+            <a:off x="929640" y="2870653"/>
+            <a:ext cx="10515600" cy="1988729"/>
+          </a:xfrm>
+        </p:spPr>
+        <p:txBody>
+          <a:bodyPr/>
+          <a:lstStyle/>
+          <a:p>
+            <a:pPr marL="0" indent="0">
+              <a:buNone/>
+            </a:pPr>
+            <a:r>
+              <a:rPr lang="en-US" dirty="0" smtClean="0"/>
+              <a:t>Operating System			:	Windows / Linux</a:t>
+            </a:r>
+          </a:p>
+          <a:p>
+            <a:pPr marL="0" indent="0">
+              <a:buNone/>
+            </a:pPr>
+            <a:r>
+              <a:rPr lang="en-US" dirty="0" smtClean="0"/>
+              <a:t>Programming Language		:	Python 3</a:t>
+            </a:r>
+          </a:p>
+          <a:p>
+            <a:pPr marL="0" indent="0">
+              <a:buNone/>
+            </a:pPr>
+            <a:r>
+              <a:rPr lang="en-US" dirty="0" smtClean="0"/>
+              <a:t>Front-End				:	Python 3</a:t>
+            </a:r>
+            <a:endParaRPr lang="en-GB" dirty="0"/>
+          </a:p>
+        </p:txBody>
+      </p:sp>
+    </p:spTree>
+    <p:extLst>
+      <p:ext uri="{BB962C8B-B14F-4D97-AF65-F5344CB8AC3E}">
+        <p14:creationId xmlns:p14="http://schemas.microsoft.com/office/powerpoint/2010/main" val="2534458280"/>
+      </p:ext>
+    </p:extLst>
+  </p:cSld>
+  <p:clrMapOvr>
+    <a:masterClrMapping/>
+  </p:clrMapOvr>
+  <p:timing>
+    <p:tnLst>
+      <p:par>
+        <p:cTn id="1" dur="indefinite" restart="never" nodeType="tmRoot"/>
+      </p:par>
+    </p:tnLst>
+  </p:timing>
+</p:sld>
+</file>
+
+<file path=ppt/slides/slide15.xml><?xml version="1.0" encoding="utf-8"?>
+<p:sld xmlns:a="http://schemas.openxmlformats.org/drawingml/2006/main" xmlns:r="http://schemas.openxmlformats.org/officeDocument/2006/relationships" xmlns:p="http://schemas.openxmlformats.org/presentationml/2006/main">
+  <p:cSld>
+    <p:spTree>
+      <p:nvGrpSpPr>
+        <p:cNvPr id="1" name=""/>
+        <p:cNvGrpSpPr/>
+        <p:nvPr/>
+      </p:nvGrpSpPr>
+      <p:grpSpPr>
+        <a:xfrm>
+          <a:off x="0" y="0"/>
+          <a:ext cx="0" cy="0"/>
+          <a:chOff x="0" y="0"/>
+          <a:chExt cx="0" cy="0"/>
+        </a:xfrm>
+      </p:grpSpPr>
+      <p:sp>
+        <p:nvSpPr>
+          <p:cNvPr id="2" name="Title 1"/>
+          <p:cNvSpPr>
+            <a:spLocks noGrp="1"/>
+          </p:cNvSpPr>
+          <p:nvPr>
+            <p:ph type="title"/>
+          </p:nvPr>
+        </p:nvSpPr>
+        <p:spPr/>
+        <p:txBody>
+          <a:bodyPr/>
+          <a:lstStyle/>
+          <a:p>
+            <a:r>
               <a:rPr lang="en-US" b="1" dirty="0" smtClean="0">
                 <a:solidFill>
                   <a:srgbClr val="FF0000"/>
@@ -3600,7 +4030,7 @@
 </p:sld>
 </file>
 
-<file path=ppt/slides/slide13.xml><?xml version="1.0" encoding="utf-8"?>
+<file path=ppt/slides/slide16.xml><?xml version="1.0" encoding="utf-8"?>
 <p:sld xmlns:a="http://schemas.openxmlformats.org/drawingml/2006/main" xmlns:r="http://schemas.openxmlformats.org/officeDocument/2006/relationships" xmlns:p="http://schemas.openxmlformats.org/presentationml/2006/main">
   <p:cSld>
     <p:spTree>
@@ -4343,6 +4773,559 @@
                   <a:srgbClr val="FF0000"/>
                 </a:solidFill>
               </a:rPr>
+              <a:t>Details of the Data-Set:</a:t>
+            </a:r>
+            <a:endParaRPr lang="en-GB" dirty="0">
+              <a:solidFill>
+                <a:srgbClr val="FF0000"/>
+              </a:solidFill>
+            </a:endParaRPr>
+          </a:p>
+        </p:txBody>
+      </p:sp>
+      <p:sp>
+        <p:nvSpPr>
+          <p:cNvPr id="3" name="Content Placeholder 2"/>
+          <p:cNvSpPr>
+            <a:spLocks noGrp="1"/>
+          </p:cNvSpPr>
+          <p:nvPr>
+            <p:ph idx="1"/>
+          </p:nvPr>
+        </p:nvSpPr>
+        <p:spPr/>
+        <p:txBody>
+          <a:bodyPr>
+            <a:normAutofit fontScale="85000" lnSpcReduction="20000"/>
+          </a:bodyPr>
+          <a:lstStyle/>
+          <a:p>
+            <a:pPr marL="0" indent="0" algn="just">
+              <a:buNone/>
+            </a:pPr>
+            <a:r>
+              <a:rPr lang="en-GB" dirty="0">
+                <a:solidFill>
+                  <a:srgbClr val="FF0000"/>
+                </a:solidFill>
+              </a:rPr>
+              <a:t>Source:</a:t>
+            </a:r>
+          </a:p>
+          <a:p>
+            <a:pPr marL="0" indent="0" algn="just">
+              <a:buNone/>
+            </a:pPr>
+            <a:r>
+              <a:rPr lang="en-GB" dirty="0" smtClean="0"/>
+              <a:t>The </a:t>
+            </a:r>
+            <a:r>
+              <a:rPr lang="en-GB" dirty="0"/>
+              <a:t>dataset was created by Max Little of the University of Oxford, in </a:t>
+            </a:r>
+            <a:r>
+              <a:rPr lang="en-GB" dirty="0" smtClean="0"/>
+              <a:t>collaboration </a:t>
+            </a:r>
+            <a:r>
+              <a:rPr lang="en-GB" dirty="0"/>
+              <a:t>with the National Centre for Voice and Speech, Denver, </a:t>
+            </a:r>
+            <a:r>
+              <a:rPr lang="en-GB" dirty="0" smtClean="0"/>
+              <a:t>Colorado</a:t>
+            </a:r>
+            <a:r>
+              <a:rPr lang="en-GB" dirty="0"/>
+              <a:t>, who recorded the speech signals. The original study published the </a:t>
+            </a:r>
+            <a:r>
+              <a:rPr lang="en-GB" dirty="0" smtClean="0"/>
+              <a:t>feature </a:t>
+            </a:r>
+            <a:r>
+              <a:rPr lang="en-GB" dirty="0"/>
+              <a:t>extraction methods for general voice disorders</a:t>
+            </a:r>
+            <a:r>
+              <a:rPr lang="en-GB" dirty="0" smtClean="0"/>
+              <a:t>.</a:t>
+            </a:r>
+          </a:p>
+          <a:p>
+            <a:pPr marL="0" indent="0" algn="just">
+              <a:buNone/>
+            </a:pPr>
+            <a:endParaRPr lang="en-GB" dirty="0" smtClean="0"/>
+          </a:p>
+          <a:p>
+            <a:pPr marL="0" indent="0" algn="just">
+              <a:buNone/>
+            </a:pPr>
+            <a:r>
+              <a:rPr lang="en-GB" dirty="0" smtClean="0">
+                <a:solidFill>
+                  <a:srgbClr val="FF0000"/>
+                </a:solidFill>
+              </a:rPr>
+              <a:t>Data </a:t>
+            </a:r>
+            <a:r>
+              <a:rPr lang="en-GB" dirty="0">
+                <a:solidFill>
+                  <a:srgbClr val="FF0000"/>
+                </a:solidFill>
+              </a:rPr>
+              <a:t>Set Information:</a:t>
+            </a:r>
+          </a:p>
+          <a:p>
+            <a:pPr marL="0" indent="0" algn="just">
+              <a:buNone/>
+            </a:pPr>
+            <a:r>
+              <a:rPr lang="en-GB" dirty="0" smtClean="0"/>
+              <a:t>This </a:t>
+            </a:r>
+            <a:r>
+              <a:rPr lang="en-GB" dirty="0"/>
+              <a:t>dataset is composed of a range of biomedical voice measurements from </a:t>
+            </a:r>
+            <a:r>
+              <a:rPr lang="en-GB" dirty="0" smtClean="0"/>
+              <a:t>31 </a:t>
+            </a:r>
+            <a:r>
+              <a:rPr lang="en-GB" dirty="0"/>
+              <a:t>people, 23 </a:t>
+            </a:r>
+            <a:r>
+              <a:rPr lang="en-GB" dirty="0" smtClean="0"/>
+              <a:t>with Parkinson's </a:t>
+            </a:r>
+            <a:r>
+              <a:rPr lang="en-GB" dirty="0"/>
+              <a:t>disease (PD). Each column in the table is a </a:t>
+            </a:r>
+            <a:r>
+              <a:rPr lang="en-GB" dirty="0" smtClean="0"/>
+              <a:t>particular </a:t>
+            </a:r>
+            <a:r>
+              <a:rPr lang="en-GB" dirty="0"/>
+              <a:t>voice measure, and each row corresponds one of 195 voice </a:t>
+            </a:r>
+            <a:r>
+              <a:rPr lang="en-GB" dirty="0" smtClean="0"/>
+              <a:t>recording </a:t>
+            </a:r>
+            <a:r>
+              <a:rPr lang="en-GB" dirty="0"/>
+              <a:t>from these individuals ("name" column). The main aim of the data </a:t>
+            </a:r>
+            <a:r>
+              <a:rPr lang="en-GB" dirty="0" smtClean="0"/>
+              <a:t>is </a:t>
+            </a:r>
+            <a:r>
+              <a:rPr lang="en-GB" dirty="0"/>
+              <a:t>to discriminate healthy people from those with PD, according to "status" </a:t>
+            </a:r>
+            <a:r>
+              <a:rPr lang="en-GB" dirty="0" smtClean="0"/>
+              <a:t>column </a:t>
+            </a:r>
+            <a:r>
+              <a:rPr lang="en-GB" dirty="0"/>
+              <a:t>which is set to 0 for healthy and 1 for PD.</a:t>
+            </a:r>
+          </a:p>
+        </p:txBody>
+      </p:sp>
+    </p:spTree>
+    <p:extLst>
+      <p:ext uri="{BB962C8B-B14F-4D97-AF65-F5344CB8AC3E}">
+        <p14:creationId xmlns:p14="http://schemas.microsoft.com/office/powerpoint/2010/main" val="3981643820"/>
+      </p:ext>
+    </p:extLst>
+  </p:cSld>
+  <p:clrMapOvr>
+    <a:masterClrMapping/>
+  </p:clrMapOvr>
+</p:sld>
+</file>
+
+<file path=ppt/slides/slide7.xml><?xml version="1.0" encoding="utf-8"?>
+<p:sld xmlns:a="http://schemas.openxmlformats.org/drawingml/2006/main" xmlns:r="http://schemas.openxmlformats.org/officeDocument/2006/relationships" xmlns:p="http://schemas.openxmlformats.org/presentationml/2006/main">
+  <p:cSld>
+    <p:spTree>
+      <p:nvGrpSpPr>
+        <p:cNvPr id="1" name=""/>
+        <p:cNvGrpSpPr/>
+        <p:nvPr/>
+      </p:nvGrpSpPr>
+      <p:grpSpPr>
+        <a:xfrm>
+          <a:off x="0" y="0"/>
+          <a:ext cx="0" cy="0"/>
+          <a:chOff x="0" y="0"/>
+          <a:chExt cx="0" cy="0"/>
+        </a:xfrm>
+      </p:grpSpPr>
+      <p:sp>
+        <p:nvSpPr>
+          <p:cNvPr id="2" name="Title 1"/>
+          <p:cNvSpPr>
+            <a:spLocks noGrp="1"/>
+          </p:cNvSpPr>
+          <p:nvPr>
+            <p:ph type="title"/>
+          </p:nvPr>
+        </p:nvSpPr>
+        <p:spPr/>
+        <p:txBody>
+          <a:bodyPr/>
+          <a:lstStyle/>
+          <a:p>
+            <a:r>
+              <a:rPr lang="en-US" dirty="0" smtClean="0">
+                <a:solidFill>
+                  <a:srgbClr val="FF0000"/>
+                </a:solidFill>
+              </a:rPr>
+              <a:t>Attributes of the Data Used:</a:t>
+            </a:r>
+            <a:endParaRPr lang="en-GB" dirty="0">
+              <a:solidFill>
+                <a:srgbClr val="FF0000"/>
+              </a:solidFill>
+            </a:endParaRPr>
+          </a:p>
+        </p:txBody>
+      </p:sp>
+      <p:sp>
+        <p:nvSpPr>
+          <p:cNvPr id="3" name="Content Placeholder 2"/>
+          <p:cNvSpPr>
+            <a:spLocks noGrp="1"/>
+          </p:cNvSpPr>
+          <p:nvPr>
+            <p:ph idx="1"/>
+          </p:nvPr>
+        </p:nvSpPr>
+        <p:spPr>
+          <a:xfrm>
+            <a:off x="838200" y="1924291"/>
+            <a:ext cx="5458097" cy="4326981"/>
+          </a:xfrm>
+        </p:spPr>
+        <p:txBody>
+          <a:bodyPr>
+            <a:normAutofit fontScale="62500" lnSpcReduction="20000"/>
+          </a:bodyPr>
+          <a:lstStyle/>
+          <a:p>
+            <a:r>
+              <a:rPr lang="en-GB" dirty="0" smtClean="0"/>
+              <a:t>name </a:t>
+            </a:r>
+            <a:r>
+              <a:rPr lang="en-GB" dirty="0"/>
+              <a:t>- ASCII subject name and recording number</a:t>
+            </a:r>
+          </a:p>
+          <a:p>
+            <a:r>
+              <a:rPr lang="en-GB" dirty="0"/>
+              <a:t>MDVP</a:t>
+            </a:r>
+            <a:r>
+              <a:rPr lang="en-GB" dirty="0" smtClean="0"/>
+              <a:t>: </a:t>
+            </a:r>
+            <a:r>
+              <a:rPr lang="en-GB" dirty="0" err="1" smtClean="0"/>
+              <a:t>Fo</a:t>
+            </a:r>
+            <a:r>
+              <a:rPr lang="en-GB" dirty="0" smtClean="0"/>
+              <a:t>(Hz</a:t>
+            </a:r>
+            <a:r>
+              <a:rPr lang="en-GB" dirty="0"/>
+              <a:t>) - Average vocal fundamental frequency</a:t>
+            </a:r>
+          </a:p>
+          <a:p>
+            <a:r>
+              <a:rPr lang="en-GB" dirty="0"/>
+              <a:t>MDVP</a:t>
+            </a:r>
+            <a:r>
+              <a:rPr lang="en-GB" dirty="0" smtClean="0"/>
+              <a:t>: </a:t>
+            </a:r>
+            <a:r>
+              <a:rPr lang="en-GB" dirty="0" err="1" smtClean="0"/>
+              <a:t>Fhi</a:t>
+            </a:r>
+            <a:r>
+              <a:rPr lang="en-GB" dirty="0" smtClean="0"/>
+              <a:t>(Hz</a:t>
+            </a:r>
+            <a:r>
+              <a:rPr lang="en-GB" dirty="0"/>
+              <a:t>) - Maximum vocal fundamental frequency</a:t>
+            </a:r>
+          </a:p>
+          <a:p>
+            <a:r>
+              <a:rPr lang="en-GB" dirty="0"/>
+              <a:t>MDVP</a:t>
+            </a:r>
+            <a:r>
+              <a:rPr lang="en-GB" dirty="0" smtClean="0"/>
+              <a:t>: Flo(Hz</a:t>
+            </a:r>
+            <a:r>
+              <a:rPr lang="en-GB" dirty="0"/>
+              <a:t>) - Minimum vocal fundamental frequency</a:t>
+            </a:r>
+          </a:p>
+          <a:p>
+            <a:r>
+              <a:rPr lang="en-GB" dirty="0"/>
+              <a:t>MDVP</a:t>
+            </a:r>
+            <a:r>
+              <a:rPr lang="en-GB" dirty="0" smtClean="0"/>
+              <a:t>: Jitter(%),</a:t>
+            </a:r>
+          </a:p>
+          <a:p>
+            <a:r>
+              <a:rPr lang="en-GB" dirty="0" smtClean="0"/>
+              <a:t>MDVP: Jitter(Abs),</a:t>
+            </a:r>
+          </a:p>
+          <a:p>
+            <a:r>
+              <a:rPr lang="en-GB" dirty="0" smtClean="0"/>
+              <a:t>MDVP:RAP,</a:t>
+            </a:r>
+          </a:p>
+          <a:p>
+            <a:r>
+              <a:rPr lang="en-GB" dirty="0" smtClean="0"/>
+              <a:t>MDVP:PPQ,</a:t>
+            </a:r>
+          </a:p>
+          <a:p>
+            <a:r>
+              <a:rPr lang="en-GB" dirty="0"/>
+              <a:t>MDVP:APQ</a:t>
+            </a:r>
+            <a:endParaRPr lang="en-GB" dirty="0" smtClean="0"/>
+          </a:p>
+          <a:p>
+            <a:r>
+              <a:rPr lang="en-GB" dirty="0" smtClean="0"/>
+              <a:t>Jitter: DDP </a:t>
+            </a:r>
+            <a:r>
+              <a:rPr lang="en-GB" dirty="0"/>
+              <a:t>- Several </a:t>
+            </a:r>
+            <a:r>
+              <a:rPr lang="en-GB" dirty="0" smtClean="0"/>
+              <a:t>measures </a:t>
+            </a:r>
+            <a:r>
+              <a:rPr lang="en-GB" dirty="0"/>
+              <a:t>of variation in fundamental frequency</a:t>
+            </a:r>
+          </a:p>
+          <a:p>
+            <a:endParaRPr lang="en-GB" dirty="0"/>
+          </a:p>
+        </p:txBody>
+      </p:sp>
+      <p:sp>
+        <p:nvSpPr>
+          <p:cNvPr id="4" name="TextBox 3"/>
+          <p:cNvSpPr txBox="1"/>
+          <p:nvPr/>
+        </p:nvSpPr>
+        <p:spPr>
+          <a:xfrm>
+            <a:off x="6413863" y="1825625"/>
+            <a:ext cx="4939937" cy="4524315"/>
+          </a:xfrm>
+          <a:prstGeom prst="rect">
+            <a:avLst/>
+          </a:prstGeom>
+          <a:noFill/>
+        </p:spPr>
+        <p:txBody>
+          <a:bodyPr wrap="square" rtlCol="0">
+            <a:spAutoFit/>
+          </a:bodyPr>
+          <a:lstStyle/>
+          <a:p>
+            <a:pPr marL="285750" indent="-285750">
+              <a:buFont typeface="Arial" panose="020B0604020202020204" pitchFamily="34" charset="0"/>
+              <a:buChar char="•"/>
+            </a:pPr>
+            <a:r>
+              <a:rPr lang="en-GB" dirty="0"/>
+              <a:t>MDVP: Shimmer,</a:t>
+            </a:r>
+          </a:p>
+          <a:p>
+            <a:pPr marL="285750" indent="-285750">
+              <a:buFont typeface="Arial" panose="020B0604020202020204" pitchFamily="34" charset="0"/>
+              <a:buChar char="•"/>
+            </a:pPr>
+            <a:r>
+              <a:rPr lang="en-GB" dirty="0"/>
+              <a:t>MDVP</a:t>
+            </a:r>
+            <a:r>
+              <a:rPr lang="en-GB" dirty="0" smtClean="0"/>
+              <a:t>: Shimmer(dB),</a:t>
+            </a:r>
+          </a:p>
+          <a:p>
+            <a:pPr marL="285750" indent="-285750">
+              <a:buFont typeface="Arial" panose="020B0604020202020204" pitchFamily="34" charset="0"/>
+              <a:buChar char="•"/>
+            </a:pPr>
+            <a:r>
+              <a:rPr lang="en-GB" dirty="0" smtClean="0"/>
+              <a:t>Shimmer:APQ3,</a:t>
+            </a:r>
+          </a:p>
+          <a:p>
+            <a:pPr marL="285750" indent="-285750">
+              <a:buFont typeface="Arial" panose="020B0604020202020204" pitchFamily="34" charset="0"/>
+              <a:buChar char="•"/>
+            </a:pPr>
+            <a:r>
+              <a:rPr lang="en-GB" dirty="0" smtClean="0"/>
+              <a:t>Shimmer:APQ5,</a:t>
+            </a:r>
+          </a:p>
+          <a:p>
+            <a:pPr marL="285750" indent="-285750">
+              <a:buFont typeface="Arial" panose="020B0604020202020204" pitchFamily="34" charset="0"/>
+              <a:buChar char="•"/>
+            </a:pPr>
+            <a:r>
+              <a:rPr lang="en-GB" dirty="0" smtClean="0"/>
+              <a:t>Shimmer: DDA </a:t>
+            </a:r>
+            <a:r>
+              <a:rPr lang="en-GB" dirty="0"/>
+              <a:t>- Several measures of variation in amplitude</a:t>
+            </a:r>
+          </a:p>
+          <a:p>
+            <a:pPr marL="285750" indent="-285750">
+              <a:buFont typeface="Arial" panose="020B0604020202020204" pitchFamily="34" charset="0"/>
+              <a:buChar char="•"/>
+            </a:pPr>
+            <a:r>
+              <a:rPr lang="en-GB" dirty="0"/>
+              <a:t>NHR,HNR - Two measures of ratio of noise to tonal components in the voice</a:t>
+            </a:r>
+          </a:p>
+          <a:p>
+            <a:pPr marL="285750" indent="-285750">
+              <a:buFont typeface="Arial" panose="020B0604020202020204" pitchFamily="34" charset="0"/>
+              <a:buChar char="•"/>
+            </a:pPr>
+            <a:r>
+              <a:rPr lang="en-GB" dirty="0"/>
+              <a:t>status - Health status of the subject (one) - Parkinson's, (zero) - healthy</a:t>
+            </a:r>
+          </a:p>
+          <a:p>
+            <a:pPr marL="285750" indent="-285750">
+              <a:buFont typeface="Arial" panose="020B0604020202020204" pitchFamily="34" charset="0"/>
+              <a:buChar char="•"/>
+            </a:pPr>
+            <a:r>
+              <a:rPr lang="en-GB" dirty="0"/>
+              <a:t>RPDE,D2 - Two nonlinear dynamical complexity measures</a:t>
+            </a:r>
+          </a:p>
+          <a:p>
+            <a:pPr marL="285750" indent="-285750">
+              <a:buFont typeface="Arial" panose="020B0604020202020204" pitchFamily="34" charset="0"/>
+              <a:buChar char="•"/>
+            </a:pPr>
+            <a:r>
+              <a:rPr lang="en-GB" dirty="0"/>
+              <a:t>DFA - Signal fractal scaling exponent spread1,spread2,PPE - Three nonlinear measures of fundamental frequency variation </a:t>
+            </a:r>
+          </a:p>
+          <a:p>
+            <a:endParaRPr lang="en-GB" dirty="0"/>
+          </a:p>
+        </p:txBody>
+      </p:sp>
+    </p:spTree>
+    <p:extLst>
+      <p:ext uri="{BB962C8B-B14F-4D97-AF65-F5344CB8AC3E}">
+        <p14:creationId xmlns:p14="http://schemas.microsoft.com/office/powerpoint/2010/main" val="1488155460"/>
+      </p:ext>
+    </p:extLst>
+  </p:cSld>
+  <p:clrMapOvr>
+    <a:masterClrMapping/>
+  </p:clrMapOvr>
+</p:sld>
+</file>
+
+<file path=ppt/slides/slide8.xml><?xml version="1.0" encoding="utf-8"?>
+<p:sld xmlns:a="http://schemas.openxmlformats.org/drawingml/2006/main" xmlns:r="http://schemas.openxmlformats.org/officeDocument/2006/relationships" xmlns:p="http://schemas.openxmlformats.org/presentationml/2006/main">
+  <p:cSld>
+    <p:spTree>
+      <p:nvGrpSpPr>
+        <p:cNvPr id="1" name=""/>
+        <p:cNvGrpSpPr/>
+        <p:nvPr/>
+      </p:nvGrpSpPr>
+      <p:grpSpPr>
+        <a:xfrm>
+          <a:off x="0" y="0"/>
+          <a:ext cx="0" cy="0"/>
+          <a:chOff x="0" y="0"/>
+          <a:chExt cx="0" cy="0"/>
+        </a:xfrm>
+      </p:grpSpPr>
+      <p:sp>
+        <p:nvSpPr>
+          <p:cNvPr id="2" name="Title 1"/>
+          <p:cNvSpPr>
+            <a:spLocks noGrp="1"/>
+          </p:cNvSpPr>
+          <p:nvPr>
+            <p:ph type="title"/>
+          </p:nvPr>
+        </p:nvSpPr>
+        <p:spPr/>
+        <p:txBody>
+          <a:bodyPr/>
+          <a:lstStyle/>
+          <a:p>
+            <a:r>
+              <a:rPr lang="en-US" dirty="0" smtClean="0">
+                <a:solidFill>
+                  <a:srgbClr val="FF0000"/>
+                </a:solidFill>
+              </a:rPr>
               <a:t>Screenshot of Data-Set Used:</a:t>
             </a:r>
             <a:endParaRPr lang="en-GB" dirty="0">
@@ -4377,8 +5360,8 @@
         </p:blipFill>
         <p:spPr>
           <a:xfrm>
-            <a:off x="955765" y="2163128"/>
-            <a:ext cx="8184847" cy="3706346"/>
+            <a:off x="838200" y="1941059"/>
+            <a:ext cx="8713714" cy="4080918"/>
           </a:xfrm>
         </p:spPr>
       </p:pic>
@@ -4402,7 +5385,7 @@
 </p:sld>
 </file>
 
-<file path=ppt/slides/slide7.xml><?xml version="1.0" encoding="utf-8"?>
+<file path=ppt/slides/slide9.xml><?xml version="1.0" encoding="utf-8"?>
 <p:sld xmlns:a="http://schemas.openxmlformats.org/drawingml/2006/main" xmlns:r="http://schemas.openxmlformats.org/officeDocument/2006/relationships" xmlns:p="http://schemas.openxmlformats.org/presentationml/2006/main">
   <p:cSld>
     <p:spTree>
@@ -4584,351 +5567,6 @@
     <p:extLst>
       <p:ext uri="{BB962C8B-B14F-4D97-AF65-F5344CB8AC3E}">
         <p14:creationId xmlns:p14="http://schemas.microsoft.com/office/powerpoint/2010/main" val="2306509855"/>
-      </p:ext>
-    </p:extLst>
-  </p:cSld>
-  <p:clrMapOvr>
-    <a:masterClrMapping/>
-  </p:clrMapOvr>
-  <p:timing>
-    <p:tnLst>
-      <p:par>
-        <p:cTn id="1" dur="indefinite" restart="never" nodeType="tmRoot"/>
-      </p:par>
-    </p:tnLst>
-  </p:timing>
-</p:sld>
-</file>
-
-<file path=ppt/slides/slide8.xml><?xml version="1.0" encoding="utf-8"?>
-<p:sld xmlns:a="http://schemas.openxmlformats.org/drawingml/2006/main" xmlns:r="http://schemas.openxmlformats.org/officeDocument/2006/relationships" xmlns:p="http://schemas.openxmlformats.org/presentationml/2006/main">
-  <p:cSld>
-    <p:spTree>
-      <p:nvGrpSpPr>
-        <p:cNvPr id="1" name=""/>
-        <p:cNvGrpSpPr/>
-        <p:nvPr/>
-      </p:nvGrpSpPr>
-      <p:grpSpPr>
-        <a:xfrm>
-          <a:off x="0" y="0"/>
-          <a:ext cx="0" cy="0"/>
-          <a:chOff x="0" y="0"/>
-          <a:chExt cx="0" cy="0"/>
-        </a:xfrm>
-      </p:grpSpPr>
-      <p:sp>
-        <p:nvSpPr>
-          <p:cNvPr id="2" name="Title 1"/>
-          <p:cNvSpPr>
-            <a:spLocks noGrp="1"/>
-          </p:cNvSpPr>
-          <p:nvPr>
-            <p:ph type="title"/>
-          </p:nvPr>
-        </p:nvSpPr>
-        <p:spPr/>
-        <p:txBody>
-          <a:bodyPr/>
-          <a:lstStyle/>
-          <a:p>
-            <a:r>
-              <a:rPr lang="en-US" dirty="0" smtClean="0">
-                <a:solidFill>
-                  <a:srgbClr val="FF0000"/>
-                </a:solidFill>
-              </a:rPr>
-              <a:t>Libraries and Algorithm Used:</a:t>
-            </a:r>
-            <a:endParaRPr lang="en-GB" dirty="0">
-              <a:solidFill>
-                <a:srgbClr val="FF0000"/>
-              </a:solidFill>
-            </a:endParaRPr>
-          </a:p>
-        </p:txBody>
-      </p:sp>
-      <p:pic>
-        <p:nvPicPr>
-          <p:cNvPr id="4" name="Content Placeholder 3"/>
-          <p:cNvPicPr>
-            <a:picLocks noGrp="1" noChangeAspect="1"/>
-          </p:cNvPicPr>
-          <p:nvPr>
-            <p:ph idx="1"/>
-          </p:nvPr>
-        </p:nvPicPr>
-        <p:blipFill>
-          <a:blip r:embed="rId2">
-            <a:extLst>
-              <a:ext uri="{28A0092B-C50C-407E-A947-70E740481C1C}">
-                <a14:useLocalDpi xmlns:a14="http://schemas.microsoft.com/office/drawing/2010/main" val="0"/>
-              </a:ext>
-            </a:extLst>
-          </a:blip>
-          <a:stretch>
-            <a:fillRect/>
-          </a:stretch>
-        </p:blipFill>
-        <p:spPr>
-          <a:xfrm>
-            <a:off x="838200" y="1690688"/>
-            <a:ext cx="7213512" cy="1932190"/>
-          </a:xfrm>
-        </p:spPr>
-      </p:pic>
-      <p:pic>
-        <p:nvPicPr>
-          <p:cNvPr id="5" name="Picture 4"/>
-          <p:cNvPicPr>
-            <a:picLocks noChangeAspect="1"/>
-          </p:cNvPicPr>
-          <p:nvPr/>
-        </p:nvPicPr>
-        <p:blipFill>
-          <a:blip r:embed="rId3">
-            <a:extLst>
-              <a:ext uri="{28A0092B-C50C-407E-A947-70E740481C1C}">
-                <a14:useLocalDpi xmlns:a14="http://schemas.microsoft.com/office/drawing/2010/main" val="0"/>
-              </a:ext>
-            </a:extLst>
-          </a:blip>
-          <a:stretch>
-            <a:fillRect/>
-          </a:stretch>
-        </p:blipFill>
-        <p:spPr>
-          <a:xfrm>
-            <a:off x="838200" y="4114886"/>
-            <a:ext cx="7117080" cy="2118179"/>
-          </a:xfrm>
-          <a:prstGeom prst="rect">
-            <a:avLst/>
-          </a:prstGeom>
-        </p:spPr>
-      </p:pic>
-      <p:sp>
-        <p:nvSpPr>
-          <p:cNvPr id="6" name="TextBox 5"/>
-          <p:cNvSpPr txBox="1"/>
-          <p:nvPr/>
-        </p:nvSpPr>
-        <p:spPr>
-          <a:xfrm>
-            <a:off x="8569234" y="1690688"/>
-            <a:ext cx="2338252" cy="2031325"/>
-          </a:xfrm>
-          <a:prstGeom prst="rect">
-            <a:avLst/>
-          </a:prstGeom>
-          <a:noFill/>
-        </p:spPr>
-        <p:txBody>
-          <a:bodyPr wrap="square" rtlCol="0">
-            <a:spAutoFit/>
-          </a:bodyPr>
-          <a:lstStyle/>
-          <a:p>
-            <a:endParaRPr lang="en-US" dirty="0" smtClean="0"/>
-          </a:p>
-          <a:p>
-            <a:endParaRPr lang="en-US" dirty="0"/>
-          </a:p>
-          <a:p>
-            <a:endParaRPr lang="en-US" dirty="0" smtClean="0"/>
-          </a:p>
-          <a:p>
-            <a:r>
-              <a:rPr lang="en-US" dirty="0" smtClean="0"/>
-              <a:t>Libraries</a:t>
-            </a:r>
-          </a:p>
-          <a:p>
-            <a:endParaRPr lang="en-US" dirty="0"/>
-          </a:p>
-          <a:p>
-            <a:endParaRPr lang="en-US" dirty="0" smtClean="0"/>
-          </a:p>
-          <a:p>
-            <a:endParaRPr lang="en-GB" dirty="0"/>
-          </a:p>
-        </p:txBody>
-      </p:sp>
-      <p:sp>
-        <p:nvSpPr>
-          <p:cNvPr id="7" name="TextBox 6"/>
-          <p:cNvSpPr txBox="1"/>
-          <p:nvPr/>
-        </p:nvSpPr>
-        <p:spPr>
-          <a:xfrm>
-            <a:off x="8533630" y="4219303"/>
-            <a:ext cx="2452233" cy="1754326"/>
-          </a:xfrm>
-          <a:prstGeom prst="rect">
-            <a:avLst/>
-          </a:prstGeom>
-          <a:noFill/>
-        </p:spPr>
-        <p:txBody>
-          <a:bodyPr wrap="square" rtlCol="0">
-            <a:spAutoFit/>
-          </a:bodyPr>
-          <a:lstStyle/>
-          <a:p>
-            <a:endParaRPr lang="en-US" dirty="0" smtClean="0"/>
-          </a:p>
-          <a:p>
-            <a:endParaRPr lang="en-US" dirty="0"/>
-          </a:p>
-          <a:p>
-            <a:r>
-              <a:rPr lang="en-US" dirty="0" smtClean="0"/>
-              <a:t>Model Building.</a:t>
-            </a:r>
-          </a:p>
-          <a:p>
-            <a:endParaRPr lang="en-US" dirty="0"/>
-          </a:p>
-          <a:p>
-            <a:endParaRPr lang="en-US" dirty="0" smtClean="0"/>
-          </a:p>
-          <a:p>
-            <a:endParaRPr lang="en-GB" dirty="0"/>
-          </a:p>
-        </p:txBody>
-      </p:sp>
-    </p:spTree>
-    <p:extLst>
-      <p:ext uri="{BB962C8B-B14F-4D97-AF65-F5344CB8AC3E}">
-        <p14:creationId xmlns:p14="http://schemas.microsoft.com/office/powerpoint/2010/main" val="4257308988"/>
-      </p:ext>
-    </p:extLst>
-  </p:cSld>
-  <p:clrMapOvr>
-    <a:masterClrMapping/>
-  </p:clrMapOvr>
-  <p:timing>
-    <p:tnLst>
-      <p:par>
-        <p:cTn id="1" dur="indefinite" restart="never" nodeType="tmRoot"/>
-      </p:par>
-    </p:tnLst>
-  </p:timing>
-</p:sld>
-</file>
-
-<file path=ppt/slides/slide9.xml><?xml version="1.0" encoding="utf-8"?>
-<p:sld xmlns:a="http://schemas.openxmlformats.org/drawingml/2006/main" xmlns:r="http://schemas.openxmlformats.org/officeDocument/2006/relationships" xmlns:p="http://schemas.openxmlformats.org/presentationml/2006/main">
-  <p:cSld>
-    <p:spTree>
-      <p:nvGrpSpPr>
-        <p:cNvPr id="1" name=""/>
-        <p:cNvGrpSpPr/>
-        <p:nvPr/>
-      </p:nvGrpSpPr>
-      <p:grpSpPr>
-        <a:xfrm>
-          <a:off x="0" y="0"/>
-          <a:ext cx="0" cy="0"/>
-          <a:chOff x="0" y="0"/>
-          <a:chExt cx="0" cy="0"/>
-        </a:xfrm>
-      </p:grpSpPr>
-      <p:sp>
-        <p:nvSpPr>
-          <p:cNvPr id="2" name="Title 1"/>
-          <p:cNvSpPr>
-            <a:spLocks noGrp="1"/>
-          </p:cNvSpPr>
-          <p:nvPr>
-            <p:ph type="title"/>
-          </p:nvPr>
-        </p:nvSpPr>
-        <p:spPr/>
-        <p:txBody>
-          <a:bodyPr/>
-          <a:lstStyle/>
-          <a:p>
-            <a:r>
-              <a:rPr lang="en-US" dirty="0" smtClean="0">
-                <a:solidFill>
-                  <a:srgbClr val="FF0000"/>
-                </a:solidFill>
-              </a:rPr>
-              <a:t>Output of the project:</a:t>
-            </a:r>
-            <a:endParaRPr lang="en-GB" dirty="0">
-              <a:solidFill>
-                <a:srgbClr val="FF0000"/>
-              </a:solidFill>
-            </a:endParaRPr>
-          </a:p>
-        </p:txBody>
-      </p:sp>
-      <p:pic>
-        <p:nvPicPr>
-          <p:cNvPr id="4" name="Content Placeholder 3"/>
-          <p:cNvPicPr>
-            <a:picLocks noGrp="1" noChangeAspect="1"/>
-          </p:cNvPicPr>
-          <p:nvPr>
-            <p:ph idx="1"/>
-          </p:nvPr>
-        </p:nvPicPr>
-        <p:blipFill>
-          <a:blip r:embed="rId2">
-            <a:extLst>
-              <a:ext uri="{28A0092B-C50C-407E-A947-70E740481C1C}">
-                <a14:useLocalDpi xmlns:a14="http://schemas.microsoft.com/office/drawing/2010/main" val="0"/>
-              </a:ext>
-            </a:extLst>
-          </a:blip>
-          <a:stretch>
-            <a:fillRect/>
-          </a:stretch>
-        </p:blipFill>
-        <p:spPr>
-          <a:xfrm>
-            <a:off x="2844437" y="2730741"/>
-            <a:ext cx="6503125" cy="1380458"/>
-          </a:xfrm>
-        </p:spPr>
-      </p:pic>
-      <p:sp>
-        <p:nvSpPr>
-          <p:cNvPr id="5" name="TextBox 4"/>
-          <p:cNvSpPr txBox="1"/>
-          <p:nvPr/>
-        </p:nvSpPr>
-        <p:spPr>
-          <a:xfrm>
-            <a:off x="3282042" y="5503949"/>
-            <a:ext cx="5627914" cy="369332"/>
-          </a:xfrm>
-          <a:prstGeom prst="rect">
-            <a:avLst/>
-          </a:prstGeom>
-          <a:noFill/>
-        </p:spPr>
-        <p:txBody>
-          <a:bodyPr wrap="square" rtlCol="0">
-            <a:spAutoFit/>
-          </a:bodyPr>
-          <a:lstStyle/>
-          <a:p>
-            <a:r>
-              <a:rPr lang="en-US" dirty="0" smtClean="0"/>
-              <a:t>The accuracy of the model we built is approximately 95%</a:t>
-            </a:r>
-            <a:endParaRPr lang="en-GB" dirty="0"/>
-          </a:p>
-        </p:txBody>
-      </p:sp>
-    </p:spTree>
-    <p:extLst>
-      <p:ext uri="{BB962C8B-B14F-4D97-AF65-F5344CB8AC3E}">
-        <p14:creationId xmlns:p14="http://schemas.microsoft.com/office/powerpoint/2010/main" val="3506636841"/>
       </p:ext>
     </p:extLst>
   </p:cSld>

--- a/Presentation/Parkinson’s Disease Detection.pptx
+++ b/Presentation/Parkinson’s Disease Detection.pptx
@@ -13,14 +13,15 @@
     <p:sldId id="270" r:id="rId7"/>
     <p:sldId id="271" r:id="rId8"/>
     <p:sldId id="264" r:id="rId9"/>
-    <p:sldId id="261" r:id="rId10"/>
-    <p:sldId id="265" r:id="rId11"/>
-    <p:sldId id="267" r:id="rId12"/>
-    <p:sldId id="269" r:id="rId13"/>
-    <p:sldId id="266" r:id="rId14"/>
-    <p:sldId id="262" r:id="rId15"/>
-    <p:sldId id="263" r:id="rId16"/>
-    <p:sldId id="268" r:id="rId17"/>
+    <p:sldId id="272" r:id="rId10"/>
+    <p:sldId id="261" r:id="rId11"/>
+    <p:sldId id="265" r:id="rId12"/>
+    <p:sldId id="267" r:id="rId13"/>
+    <p:sldId id="269" r:id="rId14"/>
+    <p:sldId id="266" r:id="rId15"/>
+    <p:sldId id="262" r:id="rId16"/>
+    <p:sldId id="263" r:id="rId17"/>
+    <p:sldId id="268" r:id="rId18"/>
   </p:sldIdLst>
   <p:sldSz cx="12192000" cy="6858000"/>
   <p:notesSz cx="6858000" cy="9144000"/>
@@ -3232,6 +3233,204 @@
           <a:lstStyle/>
           <a:p>
             <a:r>
+              <a:rPr lang="en-GB" b="1" dirty="0">
+                <a:solidFill>
+                  <a:srgbClr val="FF0000"/>
+                </a:solidFill>
+              </a:rPr>
+              <a:t>What is </a:t>
+            </a:r>
+            <a:r>
+              <a:rPr lang="en-GB" b="1" dirty="0" err="1">
+                <a:solidFill>
+                  <a:srgbClr val="FF0000"/>
+                </a:solidFill>
+              </a:rPr>
+              <a:t>XGBoost</a:t>
+            </a:r>
+            <a:r>
+              <a:rPr lang="en-GB" b="1" dirty="0" smtClean="0">
+                <a:solidFill>
+                  <a:srgbClr val="FF0000"/>
+                </a:solidFill>
+              </a:rPr>
+              <a:t>?</a:t>
+            </a:r>
+            <a:endParaRPr lang="en-GB" dirty="0">
+              <a:solidFill>
+                <a:srgbClr val="FF0000"/>
+              </a:solidFill>
+            </a:endParaRPr>
+          </a:p>
+        </p:txBody>
+      </p:sp>
+      <p:sp>
+        <p:nvSpPr>
+          <p:cNvPr id="3" name="Content Placeholder 2"/>
+          <p:cNvSpPr>
+            <a:spLocks noGrp="1"/>
+          </p:cNvSpPr>
+          <p:nvPr>
+            <p:ph idx="1"/>
+          </p:nvPr>
+        </p:nvSpPr>
+        <p:spPr>
+          <a:xfrm>
+            <a:off x="838200" y="4372882"/>
+            <a:ext cx="10515600" cy="1766661"/>
+          </a:xfrm>
+        </p:spPr>
+        <p:txBody>
+          <a:bodyPr>
+            <a:normAutofit/>
+          </a:bodyPr>
+          <a:lstStyle/>
+          <a:p>
+            <a:pPr marL="0" indent="0" algn="just">
+              <a:buNone/>
+            </a:pPr>
+            <a:r>
+              <a:rPr lang="en-GB" sz="2400" dirty="0" err="1"/>
+              <a:t>XGBoost</a:t>
+            </a:r>
+            <a:r>
+              <a:rPr lang="en-GB" sz="2400" dirty="0"/>
+              <a:t> is a new Machine Learning algorithm designed with speed and performance in mind. </a:t>
+            </a:r>
+            <a:r>
+              <a:rPr lang="en-GB" sz="2400" dirty="0" err="1"/>
+              <a:t>XGBoost</a:t>
+            </a:r>
+            <a:r>
+              <a:rPr lang="en-GB" sz="2400" dirty="0"/>
+              <a:t> stands for </a:t>
+            </a:r>
+            <a:r>
+              <a:rPr lang="en-GB" sz="2400" dirty="0" err="1"/>
+              <a:t>eXtreme</a:t>
+            </a:r>
+            <a:r>
+              <a:rPr lang="en-GB" sz="2400" dirty="0"/>
+              <a:t> Gradient Boosting and is based on decision trees. In this project, we will import the </a:t>
+            </a:r>
+            <a:r>
+              <a:rPr lang="en-GB" sz="2400" dirty="0" err="1"/>
+              <a:t>XGBClassifier</a:t>
+            </a:r>
+            <a:r>
+              <a:rPr lang="en-GB" sz="2400" dirty="0"/>
+              <a:t> from the </a:t>
+            </a:r>
+            <a:r>
+              <a:rPr lang="en-GB" sz="2400" dirty="0" err="1"/>
+              <a:t>xgboost</a:t>
+            </a:r>
+            <a:r>
+              <a:rPr lang="en-GB" sz="2400" dirty="0"/>
+              <a:t> library; this is an implementation of the </a:t>
+            </a:r>
+            <a:r>
+              <a:rPr lang="en-GB" sz="2400" dirty="0" err="1"/>
+              <a:t>scikit</a:t>
+            </a:r>
+            <a:r>
+              <a:rPr lang="en-GB" sz="2400" dirty="0"/>
+              <a:t>-learn API for </a:t>
+            </a:r>
+            <a:r>
+              <a:rPr lang="en-GB" sz="2400" dirty="0" err="1"/>
+              <a:t>XGBoost</a:t>
+            </a:r>
+            <a:r>
+              <a:rPr lang="en-GB" sz="2400" dirty="0"/>
+              <a:t> classification.</a:t>
+            </a:r>
+          </a:p>
+        </p:txBody>
+      </p:sp>
+      <p:pic>
+        <p:nvPicPr>
+          <p:cNvPr id="4" name="Picture 3"/>
+          <p:cNvPicPr>
+            <a:picLocks noChangeAspect="1"/>
+          </p:cNvPicPr>
+          <p:nvPr/>
+        </p:nvPicPr>
+        <p:blipFill>
+          <a:blip r:embed="rId2">
+            <a:extLst>
+              <a:ext uri="{28A0092B-C50C-407E-A947-70E740481C1C}">
+                <a14:useLocalDpi xmlns:a14="http://schemas.microsoft.com/office/drawing/2010/main" val="0"/>
+              </a:ext>
+            </a:extLst>
+          </a:blip>
+          <a:stretch>
+            <a:fillRect/>
+          </a:stretch>
+        </p:blipFill>
+        <p:spPr>
+          <a:xfrm>
+            <a:off x="1471749" y="1301750"/>
+            <a:ext cx="9248502" cy="2914378"/>
+          </a:xfrm>
+          <a:prstGeom prst="rect">
+            <a:avLst/>
+          </a:prstGeom>
+        </p:spPr>
+      </p:pic>
+    </p:spTree>
+    <p:extLst>
+      <p:ext uri="{BB962C8B-B14F-4D97-AF65-F5344CB8AC3E}">
+        <p14:creationId xmlns:p14="http://schemas.microsoft.com/office/powerpoint/2010/main" val="2306509855"/>
+      </p:ext>
+    </p:extLst>
+  </p:cSld>
+  <p:clrMapOvr>
+    <a:masterClrMapping/>
+  </p:clrMapOvr>
+  <p:timing>
+    <p:tnLst>
+      <p:par>
+        <p:cTn id="1" dur="indefinite" restart="never" nodeType="tmRoot"/>
+      </p:par>
+    </p:tnLst>
+  </p:timing>
+</p:sld>
+</file>
+
+<file path=ppt/slides/slide11.xml><?xml version="1.0" encoding="utf-8"?>
+<p:sld xmlns:a="http://schemas.openxmlformats.org/drawingml/2006/main" xmlns:r="http://schemas.openxmlformats.org/officeDocument/2006/relationships" xmlns:p="http://schemas.openxmlformats.org/presentationml/2006/main">
+  <p:cSld>
+    <p:spTree>
+      <p:nvGrpSpPr>
+        <p:cNvPr id="1" name=""/>
+        <p:cNvGrpSpPr/>
+        <p:nvPr/>
+      </p:nvGrpSpPr>
+      <p:grpSpPr>
+        <a:xfrm>
+          <a:off x="0" y="0"/>
+          <a:ext cx="0" cy="0"/>
+          <a:chOff x="0" y="0"/>
+          <a:chExt cx="0" cy="0"/>
+        </a:xfrm>
+      </p:grpSpPr>
+      <p:sp>
+        <p:nvSpPr>
+          <p:cNvPr id="2" name="Title 1"/>
+          <p:cNvSpPr>
+            <a:spLocks noGrp="1"/>
+          </p:cNvSpPr>
+          <p:nvPr>
+            <p:ph type="title"/>
+          </p:nvPr>
+        </p:nvSpPr>
+        <p:spPr/>
+        <p:txBody>
+          <a:bodyPr/>
+          <a:lstStyle/>
+          <a:p>
+            <a:r>
               <a:rPr lang="en-US" dirty="0" smtClean="0">
                 <a:solidFill>
                   <a:srgbClr val="FF0000"/>
@@ -3417,7 +3616,7 @@
 </p:sld>
 </file>
 
-<file path=ppt/slides/slide11.xml><?xml version="1.0" encoding="utf-8"?>
+<file path=ppt/slides/slide12.xml><?xml version="1.0" encoding="utf-8"?>
 <p:sld xmlns:a="http://schemas.openxmlformats.org/drawingml/2006/main" xmlns:r="http://schemas.openxmlformats.org/officeDocument/2006/relationships" xmlns:p="http://schemas.openxmlformats.org/presentationml/2006/main">
   <p:cSld>
     <p:spTree>
@@ -3544,7 +3743,7 @@
 </p:sld>
 </file>
 
-<file path=ppt/slides/slide12.xml><?xml version="1.0" encoding="utf-8"?>
+<file path=ppt/slides/slide13.xml><?xml version="1.0" encoding="utf-8"?>
 <p:sld xmlns:a="http://schemas.openxmlformats.org/drawingml/2006/main" xmlns:r="http://schemas.openxmlformats.org/officeDocument/2006/relationships" xmlns:p="http://schemas.openxmlformats.org/presentationml/2006/main">
   <p:cSld>
     <p:spTree>
@@ -3634,168 +3833,6 @@
 </p:sld>
 </file>
 
-<file path=ppt/slides/slide13.xml><?xml version="1.0" encoding="utf-8"?>
-<p:sld xmlns:a="http://schemas.openxmlformats.org/drawingml/2006/main" xmlns:r="http://schemas.openxmlformats.org/officeDocument/2006/relationships" xmlns:p="http://schemas.openxmlformats.org/presentationml/2006/main">
-  <p:cSld>
-    <p:spTree>
-      <p:nvGrpSpPr>
-        <p:cNvPr id="1" name=""/>
-        <p:cNvGrpSpPr/>
-        <p:nvPr/>
-      </p:nvGrpSpPr>
-      <p:grpSpPr>
-        <a:xfrm>
-          <a:off x="0" y="0"/>
-          <a:ext cx="0" cy="0"/>
-          <a:chOff x="0" y="0"/>
-          <a:chExt cx="0" cy="0"/>
-        </a:xfrm>
-      </p:grpSpPr>
-      <p:sp>
-        <p:nvSpPr>
-          <p:cNvPr id="2" name="Title 1"/>
-          <p:cNvSpPr>
-            <a:spLocks noGrp="1"/>
-          </p:cNvSpPr>
-          <p:nvPr>
-            <p:ph type="title"/>
-          </p:nvPr>
-        </p:nvSpPr>
-        <p:spPr/>
-        <p:txBody>
-          <a:bodyPr/>
-          <a:lstStyle/>
-          <a:p>
-            <a:r>
-              <a:rPr lang="en-US" dirty="0" smtClean="0">
-                <a:solidFill>
-                  <a:srgbClr val="FF0000"/>
-                </a:solidFill>
-              </a:rPr>
-              <a:t>Research Work Status:</a:t>
-            </a:r>
-            <a:endParaRPr lang="en-GB" dirty="0">
-              <a:solidFill>
-                <a:srgbClr val="FF0000"/>
-              </a:solidFill>
-            </a:endParaRPr>
-          </a:p>
-        </p:txBody>
-      </p:sp>
-      <p:sp>
-        <p:nvSpPr>
-          <p:cNvPr id="3" name="Content Placeholder 2"/>
-          <p:cNvSpPr>
-            <a:spLocks noGrp="1"/>
-          </p:cNvSpPr>
-          <p:nvPr>
-            <p:ph idx="1"/>
-          </p:nvPr>
-        </p:nvSpPr>
-        <p:spPr/>
-        <p:txBody>
-          <a:bodyPr>
-            <a:normAutofit fontScale="85000" lnSpcReduction="10000"/>
-          </a:bodyPr>
-          <a:lstStyle/>
-          <a:p>
-            <a:pPr marL="0" indent="0">
-              <a:buNone/>
-            </a:pPr>
-            <a:r>
-              <a:rPr lang="en-GB" dirty="0"/>
-              <a:t>Research in Parkinson's disease has made remarkable progress. There is very real hope that the causes, whether genetic or environmental, will be identified and the precise effects of these causes on brain function will be understood</a:t>
-            </a:r>
-            <a:r>
-              <a:rPr lang="en-GB" dirty="0" smtClean="0"/>
-              <a:t>.</a:t>
-            </a:r>
-          </a:p>
-          <a:p>
-            <a:pPr marL="0" indent="0">
-              <a:buNone/>
-            </a:pPr>
-            <a:endParaRPr lang="en-US" dirty="0"/>
-          </a:p>
-          <a:p>
-            <a:pPr marL="0" indent="0">
-              <a:buNone/>
-            </a:pPr>
-            <a:r>
-              <a:rPr lang="en-GB" b="1" dirty="0">
-                <a:solidFill>
-                  <a:srgbClr val="FF0000"/>
-                </a:solidFill>
-              </a:rPr>
-              <a:t>How Could Stem Cells Help People With </a:t>
-            </a:r>
-            <a:r>
-              <a:rPr lang="en-GB" b="1" dirty="0" smtClean="0">
-                <a:solidFill>
-                  <a:srgbClr val="FF0000"/>
-                </a:solidFill>
-              </a:rPr>
-              <a:t>Parkinson's ?</a:t>
-            </a:r>
-            <a:endParaRPr lang="en-GB" b="1" dirty="0">
-              <a:solidFill>
-                <a:srgbClr val="FF0000"/>
-              </a:solidFill>
-            </a:endParaRPr>
-          </a:p>
-          <a:p>
-            <a:pPr marL="0" indent="0">
-              <a:buNone/>
-            </a:pPr>
-            <a:r>
-              <a:rPr lang="en-GB" dirty="0"/>
-              <a:t>Stem cells are the parent cells of all tissues in the body. This means they can turn in to any type of cell. The hope is that they will eventually be able to make these cells into specific types of cells, like dopamine-producing neurons, that can be used to treat Parkinson's disease. However, there are concerns that patients may have the same risk of increased involuntary movements as those who undergo </a:t>
-            </a:r>
-            <a:r>
-              <a:rPr lang="en-GB" dirty="0" err="1"/>
-              <a:t>fetal</a:t>
-            </a:r>
-            <a:r>
-              <a:rPr lang="en-GB" dirty="0"/>
-              <a:t> cell transplantation. And, like </a:t>
-            </a:r>
-            <a:r>
-              <a:rPr lang="en-GB" dirty="0" err="1"/>
-              <a:t>fetal</a:t>
-            </a:r>
-            <a:r>
-              <a:rPr lang="en-GB" dirty="0"/>
-              <a:t> cell transplantation, stem cell therapy is surrounded by moral and ethical controversy.</a:t>
-            </a:r>
-          </a:p>
-          <a:p>
-            <a:pPr marL="0" indent="0">
-              <a:buNone/>
-            </a:pPr>
-            <a:endParaRPr lang="en-GB" dirty="0"/>
-          </a:p>
-        </p:txBody>
-      </p:sp>
-    </p:spTree>
-    <p:extLst>
-      <p:ext uri="{BB962C8B-B14F-4D97-AF65-F5344CB8AC3E}">
-        <p14:creationId xmlns:p14="http://schemas.microsoft.com/office/powerpoint/2010/main" val="3077224506"/>
-      </p:ext>
-    </p:extLst>
-  </p:cSld>
-  <p:clrMapOvr>
-    <a:masterClrMapping/>
-  </p:clrMapOvr>
-  <p:timing>
-    <p:tnLst>
-      <p:par>
-        <p:cTn id="1" dur="indefinite" restart="never" nodeType="tmRoot"/>
-      </p:par>
-    </p:tnLst>
-  </p:timing>
-</p:sld>
-</file>
-
 <file path=ppt/slides/slide14.xml><?xml version="1.0" encoding="utf-8"?>
 <p:sld xmlns:a="http://schemas.openxmlformats.org/drawingml/2006/main" xmlns:r="http://schemas.openxmlformats.org/officeDocument/2006/relationships" xmlns:p="http://schemas.openxmlformats.org/presentationml/2006/main">
   <p:cSld>
@@ -3829,12 +3866,75 @@
           <a:lstStyle/>
           <a:p>
             <a:r>
-              <a:rPr lang="en-US" b="1" dirty="0" smtClean="0">
+              <a:rPr lang="en-US" dirty="0" smtClean="0">
                 <a:solidFill>
                   <a:srgbClr val="FF0000"/>
                 </a:solidFill>
               </a:rPr>
-              <a:t>Software Requirements:</a:t>
+              <a:t>Research Work Status:</a:t>
+            </a:r>
+            <a:endParaRPr lang="en-GB" dirty="0">
+              <a:solidFill>
+                <a:srgbClr val="FF0000"/>
+              </a:solidFill>
+            </a:endParaRPr>
+          </a:p>
+        </p:txBody>
+      </p:sp>
+      <p:sp>
+        <p:nvSpPr>
+          <p:cNvPr id="3" name="Content Placeholder 2"/>
+          <p:cNvSpPr>
+            <a:spLocks noGrp="1"/>
+          </p:cNvSpPr>
+          <p:nvPr>
+            <p:ph idx="1"/>
+          </p:nvPr>
+        </p:nvSpPr>
+        <p:spPr/>
+        <p:txBody>
+          <a:bodyPr>
+            <a:normAutofit fontScale="85000" lnSpcReduction="10000"/>
+          </a:bodyPr>
+          <a:lstStyle/>
+          <a:p>
+            <a:pPr marL="0" indent="0">
+              <a:buNone/>
+            </a:pPr>
+            <a:r>
+              <a:rPr lang="en-GB" dirty="0"/>
+              <a:t>Research in Parkinson's disease has made remarkable progress. There is very real hope that the causes, whether genetic or environmental, will be identified and the precise effects of these causes on brain function will be understood</a:t>
+            </a:r>
+            <a:r>
+              <a:rPr lang="en-GB" dirty="0" smtClean="0"/>
+              <a:t>.</a:t>
+            </a:r>
+          </a:p>
+          <a:p>
+            <a:pPr marL="0" indent="0">
+              <a:buNone/>
+            </a:pPr>
+            <a:endParaRPr lang="en-US" dirty="0"/>
+          </a:p>
+          <a:p>
+            <a:pPr marL="0" indent="0">
+              <a:buNone/>
+            </a:pPr>
+            <a:r>
+              <a:rPr lang="en-GB" b="1" dirty="0">
+                <a:solidFill>
+                  <a:srgbClr val="FF0000"/>
+                </a:solidFill>
+              </a:rPr>
+              <a:t>How Could Stem Cells Help People With </a:t>
+            </a:r>
+            <a:r>
+              <a:rPr lang="en-GB" b="1" dirty="0" smtClean="0">
+                <a:solidFill>
+                  <a:srgbClr val="FF0000"/>
+                </a:solidFill>
+              </a:rPr>
+              <a:t>Parkinson's ?</a:t>
             </a:r>
             <a:endParaRPr lang="en-GB" b="1" dirty="0">
               <a:solidFill>
@@ -3842,53 +3942,35 @@
               </a:solidFill>
             </a:endParaRPr>
           </a:p>
-        </p:txBody>
-      </p:sp>
-      <p:sp>
-        <p:nvSpPr>
-          <p:cNvPr id="3" name="Content Placeholder 2"/>
-          <p:cNvSpPr>
-            <a:spLocks noGrp="1"/>
-          </p:cNvSpPr>
-          <p:nvPr>
-            <p:ph idx="1"/>
-          </p:nvPr>
-        </p:nvSpPr>
-        <p:spPr>
-          <a:xfrm>
-            <a:off x="929640" y="2870653"/>
-            <a:ext cx="10515600" cy="1988729"/>
-          </a:xfrm>
-        </p:spPr>
-        <p:txBody>
-          <a:bodyPr/>
-          <a:lstStyle/>
           <a:p>
             <a:pPr marL="0" indent="0">
               <a:buNone/>
             </a:pPr>
             <a:r>
-              <a:rPr lang="en-US" dirty="0" smtClean="0"/>
-              <a:t>Operating System			:	Windows / Linux</a:t>
+              <a:rPr lang="en-GB" dirty="0"/>
+              <a:t>Stem cells are the parent cells of all tissues in the body. This means they can turn in to any type of cell. The hope is that they will eventually be able to make these cells into specific types of cells, like dopamine-producing neurons, that can be used to treat Parkinson's disease. However, there are concerns that patients may have the same risk of increased involuntary movements as those who undergo </a:t>
+            </a:r>
+            <a:r>
+              <a:rPr lang="en-GB" dirty="0" err="1"/>
+              <a:t>fetal</a:t>
+            </a:r>
+            <a:r>
+              <a:rPr lang="en-GB" dirty="0"/>
+              <a:t> cell transplantation. And, like </a:t>
+            </a:r>
+            <a:r>
+              <a:rPr lang="en-GB" dirty="0" err="1"/>
+              <a:t>fetal</a:t>
+            </a:r>
+            <a:r>
+              <a:rPr lang="en-GB" dirty="0"/>
+              <a:t> cell transplantation, stem cell therapy is surrounded by moral and ethical controversy.</a:t>
             </a:r>
           </a:p>
           <a:p>
             <a:pPr marL="0" indent="0">
               <a:buNone/>
             </a:pPr>
-            <a:r>
-              <a:rPr lang="en-US" dirty="0" smtClean="0"/>
-              <a:t>Programming Language		:	Python 3</a:t>
-            </a:r>
-          </a:p>
-          <a:p>
-            <a:pPr marL="0" indent="0">
-              <a:buNone/>
-            </a:pPr>
-            <a:r>
-              <a:rPr lang="en-US" dirty="0" smtClean="0"/>
-              <a:t>Front-End				:	Python 3</a:t>
-            </a:r>
             <a:endParaRPr lang="en-GB" dirty="0"/>
           </a:p>
         </p:txBody>
@@ -3896,7 +3978,7 @@
     </p:spTree>
     <p:extLst>
       <p:ext uri="{BB962C8B-B14F-4D97-AF65-F5344CB8AC3E}">
-        <p14:creationId xmlns:p14="http://schemas.microsoft.com/office/powerpoint/2010/main" val="2534458280"/>
+        <p14:creationId xmlns:p14="http://schemas.microsoft.com/office/powerpoint/2010/main" val="3077224506"/>
       </p:ext>
     </p:extLst>
   </p:cSld>
@@ -3951,6 +4033,167 @@
                   <a:srgbClr val="FF0000"/>
                 </a:solidFill>
               </a:rPr>
+              <a:t>Software Requirements:</a:t>
+            </a:r>
+            <a:endParaRPr lang="en-GB" b="1" dirty="0">
+              <a:solidFill>
+                <a:srgbClr val="FF0000"/>
+              </a:solidFill>
+            </a:endParaRPr>
+          </a:p>
+        </p:txBody>
+      </p:sp>
+      <p:sp>
+        <p:nvSpPr>
+          <p:cNvPr id="3" name="Content Placeholder 2"/>
+          <p:cNvSpPr>
+            <a:spLocks noGrp="1"/>
+          </p:cNvSpPr>
+          <p:nvPr>
+            <p:ph idx="1"/>
+          </p:nvPr>
+        </p:nvSpPr>
+        <p:spPr>
+          <a:xfrm>
+            <a:off x="929639" y="2870653"/>
+            <a:ext cx="10424161" cy="2759438"/>
+          </a:xfrm>
+        </p:spPr>
+        <p:txBody>
+          <a:bodyPr>
+            <a:normAutofit/>
+          </a:bodyPr>
+          <a:lstStyle/>
+          <a:p>
+            <a:pPr marL="0" indent="0">
+              <a:buNone/>
+            </a:pPr>
+            <a:r>
+              <a:rPr lang="en-US" dirty="0" smtClean="0"/>
+              <a:t>Operating System			:	Windows / </a:t>
+            </a:r>
+            <a:r>
+              <a:rPr lang="en-US" dirty="0" smtClean="0"/>
+              <a:t>Linux</a:t>
+            </a:r>
+          </a:p>
+          <a:p>
+            <a:pPr marL="0" indent="0">
+              <a:buNone/>
+            </a:pPr>
+            <a:r>
+              <a:rPr lang="en-US" dirty="0" smtClean="0"/>
+              <a:t>IDE					:	</a:t>
+            </a:r>
+            <a:r>
+              <a:rPr lang="en-US" dirty="0" err="1" smtClean="0"/>
+              <a:t>Jupyter</a:t>
+            </a:r>
+            <a:r>
+              <a:rPr lang="en-US" dirty="0" smtClean="0"/>
+              <a:t> Notebook</a:t>
+            </a:r>
+            <a:endParaRPr lang="en-US" dirty="0" smtClean="0"/>
+          </a:p>
+          <a:p>
+            <a:pPr marL="0" indent="0">
+              <a:buNone/>
+            </a:pPr>
+            <a:r>
+              <a:rPr lang="en-US" dirty="0" smtClean="0"/>
+              <a:t>Programming Language		:	Python 3</a:t>
+            </a:r>
+          </a:p>
+          <a:p>
+            <a:pPr marL="0" indent="0">
+              <a:buNone/>
+            </a:pPr>
+            <a:r>
+              <a:rPr lang="en-US" dirty="0" smtClean="0"/>
+              <a:t>Python Packages			:	</a:t>
+            </a:r>
+            <a:r>
+              <a:rPr lang="en-US" dirty="0" err="1" smtClean="0"/>
+              <a:t>Numpy</a:t>
+            </a:r>
+            <a:r>
+              <a:rPr lang="en-US" dirty="0" smtClean="0"/>
+              <a:t>, Pandas, </a:t>
+            </a:r>
+            <a:r>
+              <a:rPr lang="en-US" dirty="0" err="1" smtClean="0"/>
+              <a:t>Sklearn</a:t>
+            </a:r>
+            <a:r>
+              <a:rPr lang="en-US" dirty="0" smtClean="0"/>
+              <a:t>, 								</a:t>
+            </a:r>
+            <a:r>
+              <a:rPr lang="en-US" dirty="0" err="1" smtClean="0"/>
+              <a:t>XGBoost</a:t>
+            </a:r>
+            <a:endParaRPr lang="en-GB" dirty="0"/>
+          </a:p>
+        </p:txBody>
+      </p:sp>
+    </p:spTree>
+    <p:extLst>
+      <p:ext uri="{BB962C8B-B14F-4D97-AF65-F5344CB8AC3E}">
+        <p14:creationId xmlns:p14="http://schemas.microsoft.com/office/powerpoint/2010/main" val="2534458280"/>
+      </p:ext>
+    </p:extLst>
+  </p:cSld>
+  <p:clrMapOvr>
+    <a:masterClrMapping/>
+  </p:clrMapOvr>
+  <p:timing>
+    <p:tnLst>
+      <p:par>
+        <p:cTn id="1" dur="indefinite" restart="never" nodeType="tmRoot"/>
+      </p:par>
+    </p:tnLst>
+  </p:timing>
+</p:sld>
+</file>
+
+<file path=ppt/slides/slide16.xml><?xml version="1.0" encoding="utf-8"?>
+<p:sld xmlns:a="http://schemas.openxmlformats.org/drawingml/2006/main" xmlns:r="http://schemas.openxmlformats.org/officeDocument/2006/relationships" xmlns:p="http://schemas.openxmlformats.org/presentationml/2006/main">
+  <p:cSld>
+    <p:spTree>
+      <p:nvGrpSpPr>
+        <p:cNvPr id="1" name=""/>
+        <p:cNvGrpSpPr/>
+        <p:nvPr/>
+      </p:nvGrpSpPr>
+      <p:grpSpPr>
+        <a:xfrm>
+          <a:off x="0" y="0"/>
+          <a:ext cx="0" cy="0"/>
+          <a:chOff x="0" y="0"/>
+          <a:chExt cx="0" cy="0"/>
+        </a:xfrm>
+      </p:grpSpPr>
+      <p:sp>
+        <p:nvSpPr>
+          <p:cNvPr id="2" name="Title 1"/>
+          <p:cNvSpPr>
+            <a:spLocks noGrp="1"/>
+          </p:cNvSpPr>
+          <p:nvPr>
+            <p:ph type="title"/>
+          </p:nvPr>
+        </p:nvSpPr>
+        <p:spPr/>
+        <p:txBody>
+          <a:bodyPr/>
+          <a:lstStyle/>
+          <a:p>
+            <a:r>
+              <a:rPr lang="en-US" b="1" dirty="0" smtClean="0">
+                <a:solidFill>
+                  <a:srgbClr val="FF0000"/>
+                </a:solidFill>
+              </a:rPr>
               <a:t>Hardware Requirements:</a:t>
             </a:r>
             <a:endParaRPr lang="en-GB" b="1" dirty="0">
@@ -4030,7 +4273,7 @@
 </p:sld>
 </file>
 
-<file path=ppt/slides/slide16.xml><?xml version="1.0" encoding="utf-8"?>
+<file path=ppt/slides/slide17.xml><?xml version="1.0" encoding="utf-8"?>
 <p:sld xmlns:a="http://schemas.openxmlformats.org/drawingml/2006/main" xmlns:r="http://schemas.openxmlformats.org/officeDocument/2006/relationships" xmlns:p="http://schemas.openxmlformats.org/presentationml/2006/main">
   <p:cSld>
     <p:spTree>
@@ -5423,10 +5666,62 @@
                   <a:srgbClr val="FF0000"/>
                 </a:solidFill>
               </a:rPr>
-              <a:t>What is </a:t>
-            </a:r>
-            <a:r>
-              <a:rPr lang="en-GB" b="1" dirty="0" err="1">
+              <a:t>Ensemble </a:t>
+            </a:r>
+            <a:r>
+              <a:rPr lang="en-GB" b="1" dirty="0" smtClean="0">
+                <a:solidFill>
+                  <a:srgbClr val="FF0000"/>
+                </a:solidFill>
+              </a:rPr>
+              <a:t>learning:</a:t>
+            </a:r>
+            <a:endParaRPr lang="en-GB" b="1" dirty="0">
+              <a:solidFill>
+                <a:srgbClr val="FF0000"/>
+              </a:solidFill>
+            </a:endParaRPr>
+          </a:p>
+        </p:txBody>
+      </p:sp>
+      <p:sp>
+        <p:nvSpPr>
+          <p:cNvPr id="3" name="Content Placeholder 2"/>
+          <p:cNvSpPr>
+            <a:spLocks noGrp="1"/>
+          </p:cNvSpPr>
+          <p:nvPr>
+            <p:ph idx="1"/>
+          </p:nvPr>
+        </p:nvSpPr>
+        <p:spPr/>
+        <p:txBody>
+          <a:bodyPr>
+            <a:normAutofit/>
+          </a:bodyPr>
+          <a:lstStyle/>
+          <a:p>
+            <a:pPr marL="0" indent="0">
+              <a:buNone/>
+            </a:pPr>
+            <a:r>
+              <a:rPr lang="en-GB" dirty="0" smtClean="0">
+                <a:solidFill>
+                  <a:srgbClr val="FF0000"/>
+                </a:solidFill>
+              </a:rPr>
+              <a:t>So </a:t>
+            </a:r>
+            <a:r>
+              <a:rPr lang="en-GB" dirty="0">
+                <a:solidFill>
+                  <a:srgbClr val="FF0000"/>
+                </a:solidFill>
+              </a:rPr>
+              <a:t>what is </a:t>
+            </a:r>
+            <a:r>
+              <a:rPr lang="en-GB" dirty="0" err="1">
                 <a:solidFill>
                   <a:srgbClr val="FF0000"/>
                 </a:solidFill>
@@ -5434,152 +5729,91 @@
               <a:t>XGBoost</a:t>
             </a:r>
             <a:r>
-              <a:rPr lang="en-GB" b="1" dirty="0" smtClean="0">
+              <a:rPr lang="en-GB" dirty="0">
                 <a:solidFill>
                   <a:srgbClr val="FF0000"/>
                 </a:solidFill>
               </a:rPr>
-              <a:t>?</a:t>
-            </a:r>
-            <a:endParaRPr lang="en-GB" dirty="0">
+              <a:t> and where does it fit in the world of ML? </a:t>
+            </a:r>
+            <a:endParaRPr lang="en-GB" dirty="0" smtClean="0">
               <a:solidFill>
                 <a:srgbClr val="FF0000"/>
               </a:solidFill>
             </a:endParaRPr>
           </a:p>
-        </p:txBody>
-      </p:sp>
-      <p:sp>
-        <p:nvSpPr>
-          <p:cNvPr id="3" name="Content Placeholder 2"/>
-          <p:cNvSpPr>
-            <a:spLocks noGrp="1"/>
-          </p:cNvSpPr>
-          <p:nvPr>
-            <p:ph idx="1"/>
-          </p:nvPr>
-        </p:nvSpPr>
-        <p:spPr>
-          <a:xfrm>
-            <a:off x="838200" y="4372882"/>
-            <a:ext cx="10515600" cy="1766661"/>
-          </a:xfrm>
-        </p:spPr>
-        <p:txBody>
-          <a:bodyPr>
-            <a:normAutofit/>
-          </a:bodyPr>
-          <a:lstStyle/>
-          <a:p>
-            <a:pPr marL="0" indent="0" algn="just">
+          <a:p>
+            <a:pPr marL="0" indent="0">
               <a:buNone/>
             </a:pPr>
             <a:r>
-              <a:rPr lang="en-GB" sz="2400" dirty="0" err="1"/>
-              <a:t>XGBoost</a:t>
-            </a:r>
-            <a:r>
-              <a:rPr lang="en-GB" sz="2400" dirty="0"/>
-              <a:t> is a new Machine Learning algorithm designed with speed and performance in mind. </a:t>
-            </a:r>
-            <a:r>
-              <a:rPr lang="en-GB" sz="2400" dirty="0" err="1"/>
-              <a:t>XGBoost</a:t>
-            </a:r>
-            <a:r>
-              <a:rPr lang="en-GB" sz="2400" dirty="0"/>
-              <a:t> stands for </a:t>
-            </a:r>
-            <a:r>
-              <a:rPr lang="en-GB" sz="2400" dirty="0" err="1"/>
-              <a:t>eXtreme</a:t>
-            </a:r>
-            <a:r>
-              <a:rPr lang="en-GB" sz="2400" dirty="0"/>
-              <a:t> Gradient Boosting and is based on decision trees. In this project, we will import the </a:t>
-            </a:r>
-            <a:r>
-              <a:rPr lang="en-GB" sz="2400" dirty="0" err="1"/>
-              <a:t>XGBClassifier</a:t>
-            </a:r>
-            <a:r>
-              <a:rPr lang="en-GB" sz="2400" dirty="0"/>
-              <a:t> from the </a:t>
-            </a:r>
-            <a:r>
-              <a:rPr lang="en-GB" sz="2400" dirty="0" err="1"/>
-              <a:t>xgboost</a:t>
-            </a:r>
-            <a:r>
-              <a:rPr lang="en-GB" sz="2400" dirty="0"/>
-              <a:t> library; this is an implementation of the </a:t>
-            </a:r>
-            <a:r>
-              <a:rPr lang="en-GB" sz="2400" dirty="0" err="1"/>
-              <a:t>scikit</a:t>
-            </a:r>
-            <a:r>
-              <a:rPr lang="en-GB" sz="2400" dirty="0"/>
-              <a:t>-learn API for </a:t>
-            </a:r>
-            <a:r>
-              <a:rPr lang="en-GB" sz="2400" dirty="0" err="1"/>
-              <a:t>XGBoost</a:t>
-            </a:r>
-            <a:r>
-              <a:rPr lang="en-GB" sz="2400" dirty="0"/>
-              <a:t> classification.</a:t>
-            </a:r>
-          </a:p>
-        </p:txBody>
-      </p:sp>
-      <p:pic>
-        <p:nvPicPr>
-          <p:cNvPr id="4" name="Picture 3"/>
-          <p:cNvPicPr>
-            <a:picLocks noChangeAspect="1"/>
-          </p:cNvPicPr>
-          <p:nvPr/>
-        </p:nvPicPr>
-        <p:blipFill>
-          <a:blip r:embed="rId2">
-            <a:extLst>
-              <a:ext uri="{28A0092B-C50C-407E-A947-70E740481C1C}">
-                <a14:useLocalDpi xmlns:a14="http://schemas.microsoft.com/office/drawing/2010/main" val="0"/>
-              </a:ext>
-            </a:extLst>
-          </a:blip>
-          <a:stretch>
-            <a:fillRect/>
-          </a:stretch>
-        </p:blipFill>
-        <p:spPr>
-          <a:xfrm>
-            <a:off x="1471749" y="1301750"/>
-            <a:ext cx="9248502" cy="2914378"/>
-          </a:xfrm>
-          <a:prstGeom prst="rect">
-            <a:avLst/>
-          </a:prstGeom>
-        </p:spPr>
-      </p:pic>
+              <a:rPr lang="en-GB" dirty="0" smtClean="0"/>
+              <a:t>Gradient </a:t>
+            </a:r>
+            <a:r>
+              <a:rPr lang="en-GB" dirty="0"/>
+              <a:t>Boosting Machines fit into a category of ML called Ensemble Learning, which is a branch of ML methods that train and predict with many models at once to produce a single superior output. </a:t>
+            </a:r>
+            <a:endParaRPr lang="en-GB" dirty="0" smtClean="0"/>
+          </a:p>
+          <a:p>
+            <a:pPr marL="0" indent="0">
+              <a:buNone/>
+            </a:pPr>
+            <a:r>
+              <a:rPr lang="en-GB" b="1" dirty="0" smtClean="0"/>
+              <a:t>Ensemble </a:t>
+            </a:r>
+            <a:r>
+              <a:rPr lang="en-GB" b="1" dirty="0"/>
+              <a:t>learning </a:t>
+            </a:r>
+            <a:r>
+              <a:rPr lang="en-GB" dirty="0"/>
+              <a:t>is broken up into three primary </a:t>
+            </a:r>
+            <a:r>
+              <a:rPr lang="en-GB" dirty="0" smtClean="0"/>
+              <a:t>subsets:</a:t>
+            </a:r>
+          </a:p>
+          <a:p>
+            <a:r>
+              <a:rPr lang="en-US" dirty="0" smtClean="0"/>
+              <a:t>Bagging</a:t>
+            </a:r>
+          </a:p>
+          <a:p>
+            <a:r>
+              <a:rPr lang="en-US" dirty="0" smtClean="0"/>
+              <a:t>Stacking</a:t>
+            </a:r>
+          </a:p>
+          <a:p>
+            <a:r>
+              <a:rPr lang="en-US" dirty="0" smtClean="0"/>
+              <a:t>Boosting</a:t>
+            </a:r>
+            <a:endParaRPr lang="en-GB" dirty="0"/>
+          </a:p>
+          <a:p>
+            <a:pPr marL="0" indent="0">
+              <a:buNone/>
+            </a:pPr>
+            <a:endParaRPr lang="en-GB" dirty="0"/>
+          </a:p>
+        </p:txBody>
+      </p:sp>
     </p:spTree>
     <p:extLst>
       <p:ext uri="{BB962C8B-B14F-4D97-AF65-F5344CB8AC3E}">
-        <p14:creationId xmlns:p14="http://schemas.microsoft.com/office/powerpoint/2010/main" val="2306509855"/>
+        <p14:creationId xmlns:p14="http://schemas.microsoft.com/office/powerpoint/2010/main" val="67558124"/>
       </p:ext>
     </p:extLst>
   </p:cSld>
   <p:clrMapOvr>
     <a:masterClrMapping/>
   </p:clrMapOvr>
-  <p:timing>
-    <p:tnLst>
-      <p:par>
-        <p:cTn id="1" dur="indefinite" restart="never" nodeType="tmRoot"/>
-      </p:par>
-    </p:tnLst>
-  </p:timing>
 </p:sld>
 </file>
 
